--- a/Windows/CODE_BME/ResultRecord_DataIMU/Plot Guide.pptx
+++ b/Windows/CODE_BME/ResultRecord_DataIMU/Plot Guide.pptx
@@ -5,18 +5,19 @@
     <p:sldMasterId id="2147483648" r:id="rId1"/>
   </p:sldMasterIdLst>
   <p:sldIdLst>
-    <p:sldId id="269" r:id="rId2"/>
-    <p:sldId id="270" r:id="rId3"/>
-    <p:sldId id="271" r:id="rId4"/>
-    <p:sldId id="272" r:id="rId5"/>
-    <p:sldId id="273" r:id="rId6"/>
-    <p:sldId id="263" r:id="rId7"/>
-    <p:sldId id="256" r:id="rId8"/>
-    <p:sldId id="268" r:id="rId9"/>
-    <p:sldId id="264" r:id="rId10"/>
-    <p:sldId id="265" r:id="rId11"/>
-    <p:sldId id="266" r:id="rId12"/>
-    <p:sldId id="267" r:id="rId13"/>
+    <p:sldId id="270" r:id="rId2"/>
+    <p:sldId id="277" r:id="rId3"/>
+    <p:sldId id="275" r:id="rId4"/>
+    <p:sldId id="278" r:id="rId5"/>
+    <p:sldId id="276" r:id="rId6"/>
+    <p:sldId id="279" r:id="rId7"/>
+    <p:sldId id="263" r:id="rId8"/>
+    <p:sldId id="256" r:id="rId9"/>
+    <p:sldId id="268" r:id="rId10"/>
+    <p:sldId id="264" r:id="rId11"/>
+    <p:sldId id="265" r:id="rId12"/>
+    <p:sldId id="266" r:id="rId13"/>
+    <p:sldId id="267" r:id="rId14"/>
   </p:sldIdLst>
   <p:sldSz cx="12192000" cy="6858000"/>
   <p:notesSz cx="6858000" cy="9144000"/>
@@ -165,10 +166,9 @@
           </a:lstStyle>
           <a:p>
             <a:r>
-              <a:rPr lang="en-US" smtClean="0"/>
+              <a:rPr lang="en-US"/>
               <a:t>Click to edit Master title style</a:t>
             </a:r>
-            <a:endParaRPr lang="en-US"/>
           </a:p>
         </p:txBody>
       </p:sp>
@@ -230,10 +230,9 @@
           </a:lstStyle>
           <a:p>
             <a:r>
-              <a:rPr lang="en-US" smtClean="0"/>
+              <a:rPr lang="en-US"/>
               <a:t>Click to edit Master subtitle style</a:t>
             </a:r>
-            <a:endParaRPr lang="en-US"/>
           </a:p>
         </p:txBody>
       </p:sp>
@@ -348,10 +347,9 @@
           <a:lstStyle/>
           <a:p>
             <a:r>
-              <a:rPr lang="en-US" smtClean="0"/>
+              <a:rPr lang="en-US"/>
               <a:t>Click to edit Master title style</a:t>
             </a:r>
-            <a:endParaRPr lang="en-US"/>
           </a:p>
         </p:txBody>
       </p:sp>
@@ -372,38 +370,37 @@
           <a:p>
             <a:pPr lvl="0"/>
             <a:r>
-              <a:rPr lang="en-US" smtClean="0"/>
+              <a:rPr lang="en-US"/>
               <a:t>Click to edit Master text styles</a:t>
             </a:r>
           </a:p>
           <a:p>
             <a:pPr lvl="1"/>
             <a:r>
-              <a:rPr lang="en-US" smtClean="0"/>
+              <a:rPr lang="en-US"/>
               <a:t>Second level</a:t>
             </a:r>
           </a:p>
           <a:p>
             <a:pPr lvl="2"/>
             <a:r>
-              <a:rPr lang="en-US" smtClean="0"/>
+              <a:rPr lang="en-US"/>
               <a:t>Third level</a:t>
             </a:r>
           </a:p>
           <a:p>
             <a:pPr lvl="3"/>
             <a:r>
-              <a:rPr lang="en-US" smtClean="0"/>
+              <a:rPr lang="en-US"/>
               <a:t>Fourth level</a:t>
             </a:r>
           </a:p>
           <a:p>
             <a:pPr lvl="4"/>
             <a:r>
-              <a:rPr lang="en-US" smtClean="0"/>
+              <a:rPr lang="en-US"/>
               <a:t>Fifth level</a:t>
             </a:r>
-            <a:endParaRPr lang="en-US"/>
           </a:p>
         </p:txBody>
       </p:sp>
@@ -523,10 +520,9 @@
           <a:lstStyle/>
           <a:p>
             <a:r>
-              <a:rPr lang="en-US" smtClean="0"/>
+              <a:rPr lang="en-US"/>
               <a:t>Click to edit Master title style</a:t>
             </a:r>
-            <a:endParaRPr lang="en-US"/>
           </a:p>
         </p:txBody>
       </p:sp>
@@ -552,38 +548,37 @@
           <a:p>
             <a:pPr lvl="0"/>
             <a:r>
-              <a:rPr lang="en-US" smtClean="0"/>
+              <a:rPr lang="en-US"/>
               <a:t>Click to edit Master text styles</a:t>
             </a:r>
           </a:p>
           <a:p>
             <a:pPr lvl="1"/>
             <a:r>
-              <a:rPr lang="en-US" smtClean="0"/>
+              <a:rPr lang="en-US"/>
               <a:t>Second level</a:t>
             </a:r>
           </a:p>
           <a:p>
             <a:pPr lvl="2"/>
             <a:r>
-              <a:rPr lang="en-US" smtClean="0"/>
+              <a:rPr lang="en-US"/>
               <a:t>Third level</a:t>
             </a:r>
           </a:p>
           <a:p>
             <a:pPr lvl="3"/>
             <a:r>
-              <a:rPr lang="en-US" smtClean="0"/>
+              <a:rPr lang="en-US"/>
               <a:t>Fourth level</a:t>
             </a:r>
           </a:p>
           <a:p>
             <a:pPr lvl="4"/>
             <a:r>
-              <a:rPr lang="en-US" smtClean="0"/>
+              <a:rPr lang="en-US"/>
               <a:t>Fifth level</a:t>
             </a:r>
-            <a:endParaRPr lang="en-US"/>
           </a:p>
         </p:txBody>
       </p:sp>
@@ -698,10 +693,9 @@
           <a:lstStyle/>
           <a:p>
             <a:r>
-              <a:rPr lang="en-US" smtClean="0"/>
+              <a:rPr lang="en-US"/>
               <a:t>Click to edit Master title style</a:t>
             </a:r>
-            <a:endParaRPr lang="en-US"/>
           </a:p>
         </p:txBody>
       </p:sp>
@@ -722,38 +716,37 @@
           <a:p>
             <a:pPr lvl="0"/>
             <a:r>
-              <a:rPr lang="en-US" smtClean="0"/>
+              <a:rPr lang="en-US"/>
               <a:t>Click to edit Master text styles</a:t>
             </a:r>
           </a:p>
           <a:p>
             <a:pPr lvl="1"/>
             <a:r>
-              <a:rPr lang="en-US" smtClean="0"/>
+              <a:rPr lang="en-US"/>
               <a:t>Second level</a:t>
             </a:r>
           </a:p>
           <a:p>
             <a:pPr lvl="2"/>
             <a:r>
-              <a:rPr lang="en-US" smtClean="0"/>
+              <a:rPr lang="en-US"/>
               <a:t>Third level</a:t>
             </a:r>
           </a:p>
           <a:p>
             <a:pPr lvl="3"/>
             <a:r>
-              <a:rPr lang="en-US" smtClean="0"/>
+              <a:rPr lang="en-US"/>
               <a:t>Fourth level</a:t>
             </a:r>
           </a:p>
           <a:p>
             <a:pPr lvl="4"/>
             <a:r>
-              <a:rPr lang="en-US" smtClean="0"/>
+              <a:rPr lang="en-US"/>
               <a:t>Fifth level</a:t>
             </a:r>
-            <a:endParaRPr lang="en-US"/>
           </a:p>
         </p:txBody>
       </p:sp>
@@ -877,10 +870,9 @@
           </a:lstStyle>
           <a:p>
             <a:r>
-              <a:rPr lang="en-US" smtClean="0"/>
+              <a:rPr lang="en-US"/>
               <a:t>Click to edit Master title style</a:t>
             </a:r>
-            <a:endParaRPr lang="en-US"/>
           </a:p>
         </p:txBody>
       </p:sp>
@@ -997,7 +989,7 @@
           <a:p>
             <a:pPr lvl="0"/>
             <a:r>
-              <a:rPr lang="en-US" smtClean="0"/>
+              <a:rPr lang="en-US"/>
               <a:t>Click to edit Master text styles</a:t>
             </a:r>
           </a:p>
@@ -1114,10 +1106,9 @@
           <a:lstStyle/>
           <a:p>
             <a:r>
-              <a:rPr lang="en-US" smtClean="0"/>
+              <a:rPr lang="en-US"/>
               <a:t>Click to edit Master title style</a:t>
             </a:r>
-            <a:endParaRPr lang="en-US"/>
           </a:p>
         </p:txBody>
       </p:sp>
@@ -1143,38 +1134,37 @@
           <a:p>
             <a:pPr lvl="0"/>
             <a:r>
-              <a:rPr lang="en-US" smtClean="0"/>
+              <a:rPr lang="en-US"/>
               <a:t>Click to edit Master text styles</a:t>
             </a:r>
           </a:p>
           <a:p>
             <a:pPr lvl="1"/>
             <a:r>
-              <a:rPr lang="en-US" smtClean="0"/>
+              <a:rPr lang="en-US"/>
               <a:t>Second level</a:t>
             </a:r>
           </a:p>
           <a:p>
             <a:pPr lvl="2"/>
             <a:r>
-              <a:rPr lang="en-US" smtClean="0"/>
+              <a:rPr lang="en-US"/>
               <a:t>Third level</a:t>
             </a:r>
           </a:p>
           <a:p>
             <a:pPr lvl="3"/>
             <a:r>
-              <a:rPr lang="en-US" smtClean="0"/>
+              <a:rPr lang="en-US"/>
               <a:t>Fourth level</a:t>
             </a:r>
           </a:p>
           <a:p>
             <a:pPr lvl="4"/>
             <a:r>
-              <a:rPr lang="en-US" smtClean="0"/>
+              <a:rPr lang="en-US"/>
               <a:t>Fifth level</a:t>
             </a:r>
-            <a:endParaRPr lang="en-US"/>
           </a:p>
         </p:txBody>
       </p:sp>
@@ -1200,38 +1190,37 @@
           <a:p>
             <a:pPr lvl="0"/>
             <a:r>
-              <a:rPr lang="en-US" smtClean="0"/>
+              <a:rPr lang="en-US"/>
               <a:t>Click to edit Master text styles</a:t>
             </a:r>
           </a:p>
           <a:p>
             <a:pPr lvl="1"/>
             <a:r>
-              <a:rPr lang="en-US" smtClean="0"/>
+              <a:rPr lang="en-US"/>
               <a:t>Second level</a:t>
             </a:r>
           </a:p>
           <a:p>
             <a:pPr lvl="2"/>
             <a:r>
-              <a:rPr lang="en-US" smtClean="0"/>
+              <a:rPr lang="en-US"/>
               <a:t>Third level</a:t>
             </a:r>
           </a:p>
           <a:p>
             <a:pPr lvl="3"/>
             <a:r>
-              <a:rPr lang="en-US" smtClean="0"/>
+              <a:rPr lang="en-US"/>
               <a:t>Fourth level</a:t>
             </a:r>
           </a:p>
           <a:p>
             <a:pPr lvl="4"/>
             <a:r>
-              <a:rPr lang="en-US" smtClean="0"/>
+              <a:rPr lang="en-US"/>
               <a:t>Fifth level</a:t>
             </a:r>
-            <a:endParaRPr lang="en-US"/>
           </a:p>
         </p:txBody>
       </p:sp>
@@ -1351,10 +1340,9 @@
           <a:lstStyle/>
           <a:p>
             <a:r>
-              <a:rPr lang="en-US" smtClean="0"/>
+              <a:rPr lang="en-US"/>
               <a:t>Click to edit Master title style</a:t>
             </a:r>
-            <a:endParaRPr lang="en-US"/>
           </a:p>
         </p:txBody>
       </p:sp>
@@ -1417,7 +1405,7 @@
           <a:p>
             <a:pPr lvl="0"/>
             <a:r>
-              <a:rPr lang="en-US" smtClean="0"/>
+              <a:rPr lang="en-US"/>
               <a:t>Click to edit Master text styles</a:t>
             </a:r>
           </a:p>
@@ -1445,38 +1433,37 @@
           <a:p>
             <a:pPr lvl="0"/>
             <a:r>
-              <a:rPr lang="en-US" smtClean="0"/>
+              <a:rPr lang="en-US"/>
               <a:t>Click to edit Master text styles</a:t>
             </a:r>
           </a:p>
           <a:p>
             <a:pPr lvl="1"/>
             <a:r>
-              <a:rPr lang="en-US" smtClean="0"/>
+              <a:rPr lang="en-US"/>
               <a:t>Second level</a:t>
             </a:r>
           </a:p>
           <a:p>
             <a:pPr lvl="2"/>
             <a:r>
-              <a:rPr lang="en-US" smtClean="0"/>
+              <a:rPr lang="en-US"/>
               <a:t>Third level</a:t>
             </a:r>
           </a:p>
           <a:p>
             <a:pPr lvl="3"/>
             <a:r>
-              <a:rPr lang="en-US" smtClean="0"/>
+              <a:rPr lang="en-US"/>
               <a:t>Fourth level</a:t>
             </a:r>
           </a:p>
           <a:p>
             <a:pPr lvl="4"/>
             <a:r>
-              <a:rPr lang="en-US" smtClean="0"/>
+              <a:rPr lang="en-US"/>
               <a:t>Fifth level</a:t>
             </a:r>
-            <a:endParaRPr lang="en-US"/>
           </a:p>
         </p:txBody>
       </p:sp>
@@ -1539,7 +1526,7 @@
           <a:p>
             <a:pPr lvl="0"/>
             <a:r>
-              <a:rPr lang="en-US" smtClean="0"/>
+              <a:rPr lang="en-US"/>
               <a:t>Click to edit Master text styles</a:t>
             </a:r>
           </a:p>
@@ -1567,38 +1554,37 @@
           <a:p>
             <a:pPr lvl="0"/>
             <a:r>
-              <a:rPr lang="en-US" smtClean="0"/>
+              <a:rPr lang="en-US"/>
               <a:t>Click to edit Master text styles</a:t>
             </a:r>
           </a:p>
           <a:p>
             <a:pPr lvl="1"/>
             <a:r>
-              <a:rPr lang="en-US" smtClean="0"/>
+              <a:rPr lang="en-US"/>
               <a:t>Second level</a:t>
             </a:r>
           </a:p>
           <a:p>
             <a:pPr lvl="2"/>
             <a:r>
-              <a:rPr lang="en-US" smtClean="0"/>
+              <a:rPr lang="en-US"/>
               <a:t>Third level</a:t>
             </a:r>
           </a:p>
           <a:p>
             <a:pPr lvl="3"/>
             <a:r>
-              <a:rPr lang="en-US" smtClean="0"/>
+              <a:rPr lang="en-US"/>
               <a:t>Fourth level</a:t>
             </a:r>
           </a:p>
           <a:p>
             <a:pPr lvl="4"/>
             <a:r>
-              <a:rPr lang="en-US" smtClean="0"/>
+              <a:rPr lang="en-US"/>
               <a:t>Fifth level</a:t>
             </a:r>
-            <a:endParaRPr lang="en-US"/>
           </a:p>
         </p:txBody>
       </p:sp>
@@ -1713,10 +1699,9 @@
           <a:lstStyle/>
           <a:p>
             <a:r>
-              <a:rPr lang="en-US" smtClean="0"/>
+              <a:rPr lang="en-US"/>
               <a:t>Click to edit Master title style</a:t>
             </a:r>
-            <a:endParaRPr lang="en-US"/>
           </a:p>
         </p:txBody>
       </p:sp>
@@ -1935,10 +1920,9 @@
           </a:lstStyle>
           <a:p>
             <a:r>
-              <a:rPr lang="en-US" smtClean="0"/>
+              <a:rPr lang="en-US"/>
               <a:t>Click to edit Master title style</a:t>
             </a:r>
-            <a:endParaRPr lang="en-US"/>
           </a:p>
         </p:txBody>
       </p:sp>
@@ -1992,38 +1976,37 @@
           <a:p>
             <a:pPr lvl="0"/>
             <a:r>
-              <a:rPr lang="en-US" smtClean="0"/>
+              <a:rPr lang="en-US"/>
               <a:t>Click to edit Master text styles</a:t>
             </a:r>
           </a:p>
           <a:p>
             <a:pPr lvl="1"/>
             <a:r>
-              <a:rPr lang="en-US" smtClean="0"/>
+              <a:rPr lang="en-US"/>
               <a:t>Second level</a:t>
             </a:r>
           </a:p>
           <a:p>
             <a:pPr lvl="2"/>
             <a:r>
-              <a:rPr lang="en-US" smtClean="0"/>
+              <a:rPr lang="en-US"/>
               <a:t>Third level</a:t>
             </a:r>
           </a:p>
           <a:p>
             <a:pPr lvl="3"/>
             <a:r>
-              <a:rPr lang="en-US" smtClean="0"/>
+              <a:rPr lang="en-US"/>
               <a:t>Fourth level</a:t>
             </a:r>
           </a:p>
           <a:p>
             <a:pPr lvl="4"/>
             <a:r>
-              <a:rPr lang="en-US" smtClean="0"/>
+              <a:rPr lang="en-US"/>
               <a:t>Fifth level</a:t>
             </a:r>
-            <a:endParaRPr lang="en-US"/>
           </a:p>
         </p:txBody>
       </p:sp>
@@ -2086,7 +2069,7 @@
           <a:p>
             <a:pPr lvl="0"/>
             <a:r>
-              <a:rPr lang="en-US" smtClean="0"/>
+              <a:rPr lang="en-US"/>
               <a:t>Click to edit Master text styles</a:t>
             </a:r>
           </a:p>
@@ -2212,10 +2195,9 @@
           </a:lstStyle>
           <a:p>
             <a:r>
-              <a:rPr lang="en-US" smtClean="0"/>
+              <a:rPr lang="en-US"/>
               <a:t>Click to edit Master title style</a:t>
             </a:r>
-            <a:endParaRPr lang="en-US"/>
           </a:p>
         </p:txBody>
       </p:sp>
@@ -2339,7 +2321,7 @@
           <a:p>
             <a:pPr lvl="0"/>
             <a:r>
-              <a:rPr lang="en-US" smtClean="0"/>
+              <a:rPr lang="en-US"/>
               <a:t>Click to edit Master text styles</a:t>
             </a:r>
           </a:p>
@@ -2471,10 +2453,9 @@
           <a:lstStyle/>
           <a:p>
             <a:r>
-              <a:rPr lang="en-US" smtClean="0"/>
+              <a:rPr lang="en-US"/>
               <a:t>Click to edit Master title style</a:t>
             </a:r>
-            <a:endParaRPr lang="en-US"/>
           </a:p>
         </p:txBody>
       </p:sp>
@@ -2505,38 +2486,37 @@
           <a:p>
             <a:pPr lvl="0"/>
             <a:r>
-              <a:rPr lang="en-US" smtClean="0"/>
+              <a:rPr lang="en-US"/>
               <a:t>Click to edit Master text styles</a:t>
             </a:r>
           </a:p>
           <a:p>
             <a:pPr lvl="1"/>
             <a:r>
-              <a:rPr lang="en-US" smtClean="0"/>
+              <a:rPr lang="en-US"/>
               <a:t>Second level</a:t>
             </a:r>
           </a:p>
           <a:p>
             <a:pPr lvl="2"/>
             <a:r>
-              <a:rPr lang="en-US" smtClean="0"/>
+              <a:rPr lang="en-US"/>
               <a:t>Third level</a:t>
             </a:r>
           </a:p>
           <a:p>
             <a:pPr lvl="3"/>
             <a:r>
-              <a:rPr lang="en-US" smtClean="0"/>
+              <a:rPr lang="en-US"/>
               <a:t>Fourth level</a:t>
             </a:r>
           </a:p>
           <a:p>
             <a:pPr lvl="4"/>
             <a:r>
-              <a:rPr lang="en-US" smtClean="0"/>
+              <a:rPr lang="en-US"/>
               <a:t>Fifth level</a:t>
             </a:r>
-            <a:endParaRPr lang="en-US"/>
           </a:p>
         </p:txBody>
       </p:sp>
@@ -2982,46 +2962,42 @@
       </p:grpSpPr>
       <p:sp>
         <p:nvSpPr>
-          <p:cNvPr id="3" name="Rectangle 2"/>
-          <p:cNvSpPr/>
+          <p:cNvPr id="2" name="TextBox 1"/>
+          <p:cNvSpPr txBox="1"/>
           <p:nvPr/>
         </p:nvSpPr>
         <p:spPr>
           <a:xfrm>
-            <a:off x="832955" y="2159420"/>
-            <a:ext cx="1425390" cy="369332"/>
-          </a:xfrm>
-          <a:prstGeom prst="rect">
-            <a:avLst/>
-          </a:prstGeom>
-        </p:spPr>
-        <p:txBody>
-          <a:bodyPr wrap="none">
+            <a:off x="4217933" y="550546"/>
+            <a:ext cx="4081670" cy="646331"/>
+          </a:xfrm>
+          <a:prstGeom prst="rect">
+            <a:avLst/>
+          </a:prstGeom>
+          <a:noFill/>
+        </p:spPr>
+        <p:txBody>
+          <a:bodyPr wrap="square" rtlCol="0">
             <a:spAutoFit/>
           </a:bodyPr>
           <a:lstStyle/>
           <a:p>
             <a:r>
-              <a:rPr lang="en-US" dirty="0" smtClean="0">
-                <a:solidFill>
-                  <a:srgbClr val="000000"/>
-                </a:solidFill>
-                <a:latin typeface="Courier New" panose="02070309020205020404" pitchFamily="49" charset="0"/>
-              </a:rPr>
-              <a:t>scapula X</a:t>
-            </a:r>
-            <a:endParaRPr lang="en-US" dirty="0">
-              <a:solidFill>
-                <a:srgbClr val="000000"/>
-              </a:solidFill>
-              <a:latin typeface="Courier New" panose="02070309020205020404" pitchFamily="49" charset="0"/>
-            </a:endParaRPr>
+              <a:rPr lang="en-US" sz="3600" dirty="0"/>
+              <a:t>Forward Flexion (FF)</a:t>
+            </a:r>
           </a:p>
         </p:txBody>
       </p:sp>
       <p:pic>
         <p:nvPicPr>
-          <p:cNvPr id="4" name="Picture 3"/>
+          <p:cNvPr id="10" name="รูปภาพ 9">
+            <a:extLst>
+              <a:ext uri="{FF2B5EF4-FFF2-40B4-BE49-F238E27FC236}">
+                <a16:creationId xmlns:a16="http://schemas.microsoft.com/office/drawing/2014/main" id="{DF4582C1-5B08-0021-3F08-0CAD15D2D4F6}"/>
+              </a:ext>
+            </a:extLst>
+          </p:cNvPr>
           <p:cNvPicPr>
             <a:picLocks noChangeAspect="1"/>
           </p:cNvPicPr>
@@ -3035,56 +3011,23 @@
         </p:blipFill>
         <p:spPr>
           <a:xfrm>
-            <a:off x="-1512554" y="2714282"/>
-            <a:ext cx="5076897" cy="3799688"/>
+            <a:off x="8299603" y="1954561"/>
+            <a:ext cx="3657600" cy="2948878"/>
           </a:xfrm>
           <a:prstGeom prst="rect">
             <a:avLst/>
           </a:prstGeom>
         </p:spPr>
       </p:pic>
-      <p:sp>
-        <p:nvSpPr>
-          <p:cNvPr id="6" name="Rectangle 5"/>
-          <p:cNvSpPr/>
-          <p:nvPr/>
-        </p:nvSpPr>
-        <p:spPr>
-          <a:xfrm>
-            <a:off x="5373795" y="2159420"/>
-            <a:ext cx="1425390" cy="369332"/>
-          </a:xfrm>
-          <a:prstGeom prst="rect">
-            <a:avLst/>
-          </a:prstGeom>
-        </p:spPr>
-        <p:txBody>
-          <a:bodyPr wrap="none">
-            <a:spAutoFit/>
-          </a:bodyPr>
-          <a:lstStyle/>
-          <a:p>
-            <a:r>
-              <a:rPr lang="en-US" dirty="0" smtClean="0">
-                <a:solidFill>
-                  <a:srgbClr val="000000"/>
-                </a:solidFill>
-                <a:latin typeface="Courier New" panose="02070309020205020404" pitchFamily="49" charset="0"/>
-              </a:rPr>
-              <a:t>scapula Y</a:t>
-            </a:r>
-            <a:endParaRPr lang="en-US" dirty="0">
-              <a:solidFill>
-                <a:srgbClr val="000000"/>
-              </a:solidFill>
-              <a:latin typeface="Courier New" panose="02070309020205020404" pitchFamily="49" charset="0"/>
-            </a:endParaRPr>
-          </a:p>
-        </p:txBody>
-      </p:sp>
       <p:pic>
         <p:nvPicPr>
-          <p:cNvPr id="7" name="Picture 6"/>
+          <p:cNvPr id="12" name="รูปภาพ 11">
+            <a:extLst>
+              <a:ext uri="{FF2B5EF4-FFF2-40B4-BE49-F238E27FC236}">
+                <a16:creationId xmlns:a16="http://schemas.microsoft.com/office/drawing/2014/main" id="{FA4B5FAB-45A3-3F80-3312-03BDEAB6557B}"/>
+              </a:ext>
+            </a:extLst>
+          </p:cNvPr>
           <p:cNvPicPr>
             <a:picLocks noChangeAspect="1"/>
           </p:cNvPicPr>
@@ -3098,8 +3041,8 @@
         </p:blipFill>
         <p:spPr>
           <a:xfrm>
-            <a:off x="3370214" y="2714282"/>
-            <a:ext cx="5076897" cy="3799688"/>
+            <a:off x="4429968" y="1954561"/>
+            <a:ext cx="3657600" cy="2948878"/>
           </a:xfrm>
           <a:prstGeom prst="rect">
             <a:avLst/>
@@ -3108,7 +3051,13 @@
       </p:pic>
       <p:pic>
         <p:nvPicPr>
-          <p:cNvPr id="8" name="Picture 7"/>
+          <p:cNvPr id="14" name="รูปภาพ 13">
+            <a:extLst>
+              <a:ext uri="{FF2B5EF4-FFF2-40B4-BE49-F238E27FC236}">
+                <a16:creationId xmlns:a16="http://schemas.microsoft.com/office/drawing/2014/main" id="{4507FE85-1E4B-B144-E42D-C0533E4E91F5}"/>
+              </a:ext>
+            </a:extLst>
+          </p:cNvPr>
           <p:cNvPicPr>
             <a:picLocks noChangeAspect="1"/>
           </p:cNvPicPr>
@@ -3122,88 +3071,18 @@
         </p:blipFill>
         <p:spPr>
           <a:xfrm>
-            <a:off x="8252982" y="2714282"/>
-            <a:ext cx="5076897" cy="3799688"/>
+            <a:off x="560333" y="1954561"/>
+            <a:ext cx="3657600" cy="2948878"/>
           </a:xfrm>
           <a:prstGeom prst="rect">
             <a:avLst/>
           </a:prstGeom>
         </p:spPr>
       </p:pic>
-      <p:sp>
-        <p:nvSpPr>
-          <p:cNvPr id="9" name="Rectangle 8"/>
-          <p:cNvSpPr/>
-          <p:nvPr/>
-        </p:nvSpPr>
-        <p:spPr>
-          <a:xfrm>
-            <a:off x="10283725" y="2159420"/>
-            <a:ext cx="1425390" cy="369332"/>
-          </a:xfrm>
-          <a:prstGeom prst="rect">
-            <a:avLst/>
-          </a:prstGeom>
-        </p:spPr>
-        <p:txBody>
-          <a:bodyPr wrap="none">
-            <a:spAutoFit/>
-          </a:bodyPr>
-          <a:lstStyle/>
-          <a:p>
-            <a:r>
-              <a:rPr lang="en-US" dirty="0" smtClean="0">
-                <a:solidFill>
-                  <a:srgbClr val="000000"/>
-                </a:solidFill>
-                <a:latin typeface="Courier New" panose="02070309020205020404" pitchFamily="49" charset="0"/>
-              </a:rPr>
-              <a:t>scapula Z</a:t>
-            </a:r>
-            <a:endParaRPr lang="en-US" dirty="0">
-              <a:solidFill>
-                <a:srgbClr val="000000"/>
-              </a:solidFill>
-              <a:latin typeface="Courier New" panose="02070309020205020404" pitchFamily="49" charset="0"/>
-            </a:endParaRPr>
-          </a:p>
-        </p:txBody>
-      </p:sp>
-      <p:sp>
-        <p:nvSpPr>
-          <p:cNvPr id="10" name="TextBox 9"/>
-          <p:cNvSpPr txBox="1"/>
-          <p:nvPr/>
-        </p:nvSpPr>
-        <p:spPr>
-          <a:xfrm>
-            <a:off x="4005898" y="460212"/>
-            <a:ext cx="4081670" cy="646331"/>
-          </a:xfrm>
-          <a:prstGeom prst="rect">
-            <a:avLst/>
-          </a:prstGeom>
-          <a:noFill/>
-        </p:spPr>
-        <p:txBody>
-          <a:bodyPr wrap="square" rtlCol="0">
-            <a:spAutoFit/>
-          </a:bodyPr>
-          <a:lstStyle/>
-          <a:p>
-            <a:pPr algn="ctr"/>
-            <a:r>
-              <a:rPr lang="en-US" sz="3600" dirty="0"/>
-              <a:t>Forward Flexion (FF)</a:t>
-            </a:r>
-            <a:endParaRPr lang="en-US" sz="3600" dirty="0"/>
-          </a:p>
-        </p:txBody>
-      </p:sp>
     </p:spTree>
     <p:extLst>
       <p:ext uri="{BB962C8B-B14F-4D97-AF65-F5344CB8AC3E}">
-        <p14:creationId xmlns:p14="http://schemas.microsoft.com/office/powerpoint/2010/main" val="3861267677"/>
+        <p14:creationId xmlns:p14="http://schemas.microsoft.com/office/powerpoint/2010/main" val="721870238"/>
       </p:ext>
     </p:extLst>
   </p:cSld>
@@ -3214,6 +3093,66 @@
 </file>
 
 <file path=ppt/slides/slide10.xml><?xml version="1.0" encoding="utf-8"?>
+<p:sld xmlns:a="http://schemas.openxmlformats.org/drawingml/2006/main" xmlns:r="http://schemas.openxmlformats.org/officeDocument/2006/relationships" xmlns:p="http://schemas.openxmlformats.org/presentationml/2006/main">
+  <p:cSld>
+    <p:spTree>
+      <p:nvGrpSpPr>
+        <p:cNvPr id="1" name=""/>
+        <p:cNvGrpSpPr/>
+        <p:nvPr/>
+      </p:nvGrpSpPr>
+      <p:grpSpPr>
+        <a:xfrm>
+          <a:off x="0" y="0"/>
+          <a:ext cx="0" cy="0"/>
+          <a:chOff x="0" y="0"/>
+          <a:chExt cx="0" cy="0"/>
+        </a:xfrm>
+      </p:grpSpPr>
+      <p:sp>
+        <p:nvSpPr>
+          <p:cNvPr id="2" name="TextBox 1"/>
+          <p:cNvSpPr txBox="1"/>
+          <p:nvPr/>
+        </p:nvSpPr>
+        <p:spPr>
+          <a:xfrm>
+            <a:off x="4227444" y="2981739"/>
+            <a:ext cx="4081670" cy="646331"/>
+          </a:xfrm>
+          <a:prstGeom prst="rect">
+            <a:avLst/>
+          </a:prstGeom>
+          <a:noFill/>
+        </p:spPr>
+        <p:txBody>
+          <a:bodyPr wrap="square" rtlCol="0">
+            <a:spAutoFit/>
+          </a:bodyPr>
+          <a:lstStyle/>
+          <a:p>
+            <a:pPr algn="ctr"/>
+            <a:r>
+              <a:rPr lang="en-US" sz="3600" dirty="0"/>
+              <a:t>Left Side</a:t>
+            </a:r>
+          </a:p>
+        </p:txBody>
+      </p:sp>
+    </p:spTree>
+    <p:extLst>
+      <p:ext uri="{BB962C8B-B14F-4D97-AF65-F5344CB8AC3E}">
+        <p14:creationId xmlns:p14="http://schemas.microsoft.com/office/powerpoint/2010/main" val="2507380525"/>
+      </p:ext>
+    </p:extLst>
+  </p:cSld>
+  <p:clrMapOvr>
+    <a:masterClrMapping/>
+  </p:clrMapOvr>
+</p:sld>
+</file>
+
+<file path=ppt/slides/slide11.xml><?xml version="1.0" encoding="utf-8"?>
 <p:sld xmlns:a="http://schemas.openxmlformats.org/drawingml/2006/main" xmlns:r="http://schemas.openxmlformats.org/officeDocument/2006/relationships" xmlns:p="http://schemas.openxmlformats.org/presentationml/2006/main">
   <p:cSld>
     <p:spTree>
@@ -3387,7 +3326,7 @@
 </p:sld>
 </file>
 
-<file path=ppt/slides/slide11.xml><?xml version="1.0" encoding="utf-8"?>
+<file path=ppt/slides/slide12.xml><?xml version="1.0" encoding="utf-8"?>
 <p:sld xmlns:a="http://schemas.openxmlformats.org/drawingml/2006/main" xmlns:r="http://schemas.openxmlformats.org/officeDocument/2006/relationships" xmlns:p="http://schemas.openxmlformats.org/presentationml/2006/main">
   <p:cSld>
     <p:spTree>
@@ -3428,10 +3367,9 @@
           <a:p>
             <a:pPr algn="ctr"/>
             <a:r>
-              <a:rPr lang="en-US" sz="3600" dirty="0" smtClean="0"/>
+              <a:rPr lang="en-US" sz="3600" dirty="0"/>
               <a:t>Right Side</a:t>
             </a:r>
-            <a:endParaRPr lang="en-US" sz="3600" dirty="0"/>
           </a:p>
         </p:txBody>
       </p:sp>
@@ -3448,7 +3386,7 @@
 </p:sld>
 </file>
 
-<file path=ppt/slides/slide12.xml><?xml version="1.0" encoding="utf-8"?>
+<file path=ppt/slides/slide13.xml><?xml version="1.0" encoding="utf-8"?>
 <p:sld xmlns:a="http://schemas.openxmlformats.org/drawingml/2006/main" xmlns:r="http://schemas.openxmlformats.org/officeDocument/2006/relationships" xmlns:p="http://schemas.openxmlformats.org/presentationml/2006/main">
   <p:cSld>
     <p:spTree>
@@ -3627,7 +3565,13 @@
   <p:cSld>
     <p:spTree>
       <p:nvGrpSpPr>
-        <p:cNvPr id="1" name=""/>
+        <p:cNvPr id="1" name="">
+          <a:extLst>
+            <a:ext uri="{FF2B5EF4-FFF2-40B4-BE49-F238E27FC236}">
+              <a16:creationId xmlns:a16="http://schemas.microsoft.com/office/drawing/2014/main" id="{9270EA6C-B1F5-B19C-32AC-93E29225C26D}"/>
+            </a:ext>
+          </a:extLst>
+        </p:cNvPr>
         <p:cNvGrpSpPr/>
         <p:nvPr/>
       </p:nvGrpSpPr>
@@ -3641,7 +3585,13 @@
       </p:grpSpPr>
       <p:sp>
         <p:nvSpPr>
-          <p:cNvPr id="2" name="TextBox 1"/>
+          <p:cNvPr id="2" name="TextBox 1">
+            <a:extLst>
+              <a:ext uri="{FF2B5EF4-FFF2-40B4-BE49-F238E27FC236}">
+                <a16:creationId xmlns:a16="http://schemas.microsoft.com/office/drawing/2014/main" id="{6A9EE2AD-8C8B-F91E-BBDE-A8FD7C5BA3BB}"/>
+              </a:ext>
+            </a:extLst>
+          </p:cNvPr>
           <p:cNvSpPr txBox="1"/>
           <p:nvPr/>
         </p:nvSpPr>
@@ -3663,19 +3613,20 @@
           <a:p>
             <a:r>
               <a:rPr lang="en-US" sz="3600" dirty="0"/>
-              <a:t>Forward </a:t>
-            </a:r>
-            <a:r>
-              <a:rPr lang="en-US" sz="3600" dirty="0" smtClean="0"/>
-              <a:t>Flexion (FF)</a:t>
-            </a:r>
-            <a:endParaRPr lang="en-US" sz="3600" dirty="0"/>
+              <a:t>Forward Flexion (FF)</a:t>
+            </a:r>
           </a:p>
         </p:txBody>
       </p:sp>
       <p:pic>
         <p:nvPicPr>
-          <p:cNvPr id="3" name="Picture 2"/>
+          <p:cNvPr id="4" name="รูปภาพ 3">
+            <a:extLst>
+              <a:ext uri="{FF2B5EF4-FFF2-40B4-BE49-F238E27FC236}">
+                <a16:creationId xmlns:a16="http://schemas.microsoft.com/office/drawing/2014/main" id="{F14C31D5-C1FF-BFCB-F227-D352317C4FE7}"/>
+              </a:ext>
+            </a:extLst>
+          </p:cNvPr>
           <p:cNvPicPr>
             <a:picLocks noChangeAspect="1"/>
           </p:cNvPicPr>
@@ -3689,56 +3640,23 @@
         </p:blipFill>
         <p:spPr>
           <a:xfrm>
-            <a:off x="7539916" y="2180320"/>
-            <a:ext cx="5076897" cy="3799688"/>
+            <a:off x="8299603" y="1954561"/>
+            <a:ext cx="3657600" cy="2948878"/>
           </a:xfrm>
           <a:prstGeom prst="rect">
             <a:avLst/>
           </a:prstGeom>
         </p:spPr>
       </p:pic>
-      <p:sp>
-        <p:nvSpPr>
-          <p:cNvPr id="4" name="Rectangle 3"/>
-          <p:cNvSpPr/>
-          <p:nvPr/>
-        </p:nvSpPr>
-        <p:spPr>
-          <a:xfrm>
-            <a:off x="9296741" y="1617024"/>
-            <a:ext cx="1563248" cy="369332"/>
-          </a:xfrm>
-          <a:prstGeom prst="rect">
-            <a:avLst/>
-          </a:prstGeom>
-        </p:spPr>
-        <p:txBody>
-          <a:bodyPr wrap="none">
-            <a:spAutoFit/>
-          </a:bodyPr>
-          <a:lstStyle/>
-          <a:p>
-            <a:r>
-              <a:rPr lang="en-US" dirty="0" smtClean="0">
-                <a:solidFill>
-                  <a:srgbClr val="000000"/>
-                </a:solidFill>
-                <a:latin typeface="Courier New" panose="02070309020205020404" pitchFamily="49" charset="0"/>
-              </a:rPr>
-              <a:t>clavicle Z</a:t>
-            </a:r>
-            <a:endParaRPr lang="en-US" dirty="0">
-              <a:solidFill>
-                <a:srgbClr val="000000"/>
-              </a:solidFill>
-              <a:latin typeface="Courier New" panose="02070309020205020404" pitchFamily="49" charset="0"/>
-            </a:endParaRPr>
-          </a:p>
-        </p:txBody>
-      </p:sp>
       <p:pic>
         <p:nvPicPr>
-          <p:cNvPr id="5" name="Picture 4"/>
+          <p:cNvPr id="6" name="รูปภาพ 5">
+            <a:extLst>
+              <a:ext uri="{FF2B5EF4-FFF2-40B4-BE49-F238E27FC236}">
+                <a16:creationId xmlns:a16="http://schemas.microsoft.com/office/drawing/2014/main" id="{B4234F0D-37FF-6A19-43B8-344D1560587B}"/>
+              </a:ext>
+            </a:extLst>
+          </p:cNvPr>
           <p:cNvPicPr>
             <a:picLocks noChangeAspect="1"/>
           </p:cNvPicPr>
@@ -3752,56 +3670,23 @@
         </p:blipFill>
         <p:spPr>
           <a:xfrm>
-            <a:off x="2795551" y="2180320"/>
-            <a:ext cx="5076897" cy="3799688"/>
+            <a:off x="4429968" y="1954561"/>
+            <a:ext cx="3657600" cy="2948878"/>
           </a:xfrm>
           <a:prstGeom prst="rect">
             <a:avLst/>
           </a:prstGeom>
         </p:spPr>
       </p:pic>
-      <p:sp>
-        <p:nvSpPr>
-          <p:cNvPr id="6" name="Rectangle 5"/>
-          <p:cNvSpPr/>
-          <p:nvPr/>
-        </p:nvSpPr>
-        <p:spPr>
-          <a:xfrm>
-            <a:off x="4960268" y="1617024"/>
-            <a:ext cx="1563248" cy="369332"/>
-          </a:xfrm>
-          <a:prstGeom prst="rect">
-            <a:avLst/>
-          </a:prstGeom>
-        </p:spPr>
-        <p:txBody>
-          <a:bodyPr wrap="none">
-            <a:spAutoFit/>
-          </a:bodyPr>
-          <a:lstStyle/>
-          <a:p>
-            <a:r>
-              <a:rPr lang="en-US" dirty="0" smtClean="0">
-                <a:solidFill>
-                  <a:srgbClr val="000000"/>
-                </a:solidFill>
-                <a:latin typeface="Courier New" panose="02070309020205020404" pitchFamily="49" charset="0"/>
-              </a:rPr>
-              <a:t>clavicle Y</a:t>
-            </a:r>
-            <a:endParaRPr lang="en-US" dirty="0">
-              <a:solidFill>
-                <a:srgbClr val="000000"/>
-              </a:solidFill>
-              <a:latin typeface="Courier New" panose="02070309020205020404" pitchFamily="49" charset="0"/>
-            </a:endParaRPr>
-          </a:p>
-        </p:txBody>
-      </p:sp>
       <p:pic>
         <p:nvPicPr>
-          <p:cNvPr id="7" name="Picture 6"/>
+          <p:cNvPr id="8" name="รูปภาพ 7">
+            <a:extLst>
+              <a:ext uri="{FF2B5EF4-FFF2-40B4-BE49-F238E27FC236}">
+                <a16:creationId xmlns:a16="http://schemas.microsoft.com/office/drawing/2014/main" id="{6408E9E8-9A8D-6F20-FDC2-EAD58E15BAF5}"/>
+              </a:ext>
+            </a:extLst>
+          </p:cNvPr>
           <p:cNvPicPr>
             <a:picLocks noChangeAspect="1"/>
           </p:cNvPicPr>
@@ -3815,57 +3700,18 @@
         </p:blipFill>
         <p:spPr>
           <a:xfrm>
-            <a:off x="-2095103" y="2180320"/>
-            <a:ext cx="5076897" cy="3799688"/>
+            <a:off x="560333" y="1954561"/>
+            <a:ext cx="3657600" cy="2948878"/>
           </a:xfrm>
           <a:prstGeom prst="rect">
             <a:avLst/>
           </a:prstGeom>
         </p:spPr>
       </p:pic>
-      <p:sp>
-        <p:nvSpPr>
-          <p:cNvPr id="8" name="Rectangle 7"/>
-          <p:cNvSpPr/>
-          <p:nvPr/>
-        </p:nvSpPr>
-        <p:spPr>
-          <a:xfrm>
-            <a:off x="111177" y="1801690"/>
-            <a:ext cx="1563248" cy="369332"/>
-          </a:xfrm>
-          <a:prstGeom prst="rect">
-            <a:avLst/>
-          </a:prstGeom>
-        </p:spPr>
-        <p:txBody>
-          <a:bodyPr wrap="none">
-            <a:spAutoFit/>
-          </a:bodyPr>
-          <a:lstStyle/>
-          <a:p>
-            <a:r>
-              <a:rPr lang="en-US" dirty="0" smtClean="0">
-                <a:solidFill>
-                  <a:srgbClr val="000000"/>
-                </a:solidFill>
-                <a:latin typeface="Courier New" panose="02070309020205020404" pitchFamily="49" charset="0"/>
-              </a:rPr>
-              <a:t>clavicle X</a:t>
-            </a:r>
-            <a:endParaRPr lang="en-US" dirty="0">
-              <a:solidFill>
-                <a:srgbClr val="000000"/>
-              </a:solidFill>
-              <a:latin typeface="Courier New" panose="02070309020205020404" pitchFamily="49" charset="0"/>
-            </a:endParaRPr>
-          </a:p>
-        </p:txBody>
-      </p:sp>
     </p:spTree>
     <p:extLst>
       <p:ext uri="{BB962C8B-B14F-4D97-AF65-F5344CB8AC3E}">
-        <p14:creationId xmlns:p14="http://schemas.microsoft.com/office/powerpoint/2010/main" val="721870238"/>
+        <p14:creationId xmlns:p14="http://schemas.microsoft.com/office/powerpoint/2010/main" val="2705366086"/>
       </p:ext>
     </p:extLst>
   </p:cSld>
@@ -3876,6 +3722,654 @@
 </file>
 
 <file path=ppt/slides/slide3.xml><?xml version="1.0" encoding="utf-8"?>
+<p:sld xmlns:a="http://schemas.openxmlformats.org/drawingml/2006/main" xmlns:r="http://schemas.openxmlformats.org/officeDocument/2006/relationships" xmlns:p="http://schemas.openxmlformats.org/presentationml/2006/main">
+  <p:cSld>
+    <p:spTree>
+      <p:nvGrpSpPr>
+        <p:cNvPr id="1" name="">
+          <a:extLst>
+            <a:ext uri="{FF2B5EF4-FFF2-40B4-BE49-F238E27FC236}">
+              <a16:creationId xmlns:a16="http://schemas.microsoft.com/office/drawing/2014/main" id="{B31C43A9-CD0A-3BE2-CCFD-5E14A944E385}"/>
+            </a:ext>
+          </a:extLst>
+        </p:cNvPr>
+        <p:cNvGrpSpPr/>
+        <p:nvPr/>
+      </p:nvGrpSpPr>
+      <p:grpSpPr>
+        <a:xfrm>
+          <a:off x="0" y="0"/>
+          <a:ext cx="0" cy="0"/>
+          <a:chOff x="0" y="0"/>
+          <a:chExt cx="0" cy="0"/>
+        </a:xfrm>
+      </p:grpSpPr>
+      <p:sp>
+        <p:nvSpPr>
+          <p:cNvPr id="2" name="TextBox 1">
+            <a:extLst>
+              <a:ext uri="{FF2B5EF4-FFF2-40B4-BE49-F238E27FC236}">
+                <a16:creationId xmlns:a16="http://schemas.microsoft.com/office/drawing/2014/main" id="{5827EC61-6F2A-E5D1-DF43-2851CA4D726C}"/>
+              </a:ext>
+            </a:extLst>
+          </p:cNvPr>
+          <p:cNvSpPr txBox="1"/>
+          <p:nvPr/>
+        </p:nvSpPr>
+        <p:spPr>
+          <a:xfrm>
+            <a:off x="4217933" y="550546"/>
+            <a:ext cx="4081670" cy="646331"/>
+          </a:xfrm>
+          <a:prstGeom prst="rect">
+            <a:avLst/>
+          </a:prstGeom>
+          <a:noFill/>
+        </p:spPr>
+        <p:txBody>
+          <a:bodyPr wrap="square" rtlCol="0">
+            <a:spAutoFit/>
+          </a:bodyPr>
+          <a:lstStyle/>
+          <a:p>
+            <a:pPr algn="ctr"/>
+            <a:r>
+              <a:rPr lang="en-US" sz="3600" dirty="0"/>
+              <a:t>Abduction (AB)</a:t>
+            </a:r>
+          </a:p>
+        </p:txBody>
+      </p:sp>
+      <p:pic>
+        <p:nvPicPr>
+          <p:cNvPr id="24" name="รูปภาพ 23">
+            <a:extLst>
+              <a:ext uri="{FF2B5EF4-FFF2-40B4-BE49-F238E27FC236}">
+                <a16:creationId xmlns:a16="http://schemas.microsoft.com/office/drawing/2014/main" id="{1EC04DE5-7EB8-DCA1-E67D-DF925DE18537}"/>
+              </a:ext>
+            </a:extLst>
+          </p:cNvPr>
+          <p:cNvPicPr>
+            <a:picLocks noChangeAspect="1"/>
+          </p:cNvPicPr>
+          <p:nvPr/>
+        </p:nvPicPr>
+        <p:blipFill>
+          <a:blip r:embed="rId2"/>
+          <a:stretch>
+            <a:fillRect/>
+          </a:stretch>
+        </p:blipFill>
+        <p:spPr>
+          <a:xfrm>
+            <a:off x="8299603" y="1954561"/>
+            <a:ext cx="3657600" cy="2948878"/>
+          </a:xfrm>
+          <a:prstGeom prst="rect">
+            <a:avLst/>
+          </a:prstGeom>
+        </p:spPr>
+      </p:pic>
+      <p:pic>
+        <p:nvPicPr>
+          <p:cNvPr id="26" name="รูปภาพ 25">
+            <a:extLst>
+              <a:ext uri="{FF2B5EF4-FFF2-40B4-BE49-F238E27FC236}">
+                <a16:creationId xmlns:a16="http://schemas.microsoft.com/office/drawing/2014/main" id="{6FCC6F42-3B1E-AFA5-9F37-840F6C4C97D0}"/>
+              </a:ext>
+            </a:extLst>
+          </p:cNvPr>
+          <p:cNvPicPr>
+            <a:picLocks noChangeAspect="1"/>
+          </p:cNvPicPr>
+          <p:nvPr/>
+        </p:nvPicPr>
+        <p:blipFill>
+          <a:blip r:embed="rId3"/>
+          <a:stretch>
+            <a:fillRect/>
+          </a:stretch>
+        </p:blipFill>
+        <p:spPr>
+          <a:xfrm>
+            <a:off x="4429968" y="1954561"/>
+            <a:ext cx="3657600" cy="2948878"/>
+          </a:xfrm>
+          <a:prstGeom prst="rect">
+            <a:avLst/>
+          </a:prstGeom>
+        </p:spPr>
+      </p:pic>
+      <p:pic>
+        <p:nvPicPr>
+          <p:cNvPr id="28" name="รูปภาพ 27">
+            <a:extLst>
+              <a:ext uri="{FF2B5EF4-FFF2-40B4-BE49-F238E27FC236}">
+                <a16:creationId xmlns:a16="http://schemas.microsoft.com/office/drawing/2014/main" id="{CB95AABD-F69B-0FFC-5CB3-8CD41010680C}"/>
+              </a:ext>
+            </a:extLst>
+          </p:cNvPr>
+          <p:cNvPicPr>
+            <a:picLocks noChangeAspect="1"/>
+          </p:cNvPicPr>
+          <p:nvPr/>
+        </p:nvPicPr>
+        <p:blipFill>
+          <a:blip r:embed="rId4"/>
+          <a:stretch>
+            <a:fillRect/>
+          </a:stretch>
+        </p:blipFill>
+        <p:spPr>
+          <a:xfrm>
+            <a:off x="560333" y="1954561"/>
+            <a:ext cx="3657600" cy="2948878"/>
+          </a:xfrm>
+          <a:prstGeom prst="rect">
+            <a:avLst/>
+          </a:prstGeom>
+        </p:spPr>
+      </p:pic>
+    </p:spTree>
+    <p:extLst>
+      <p:ext uri="{BB962C8B-B14F-4D97-AF65-F5344CB8AC3E}">
+        <p14:creationId xmlns:p14="http://schemas.microsoft.com/office/powerpoint/2010/main" val="1882616673"/>
+      </p:ext>
+    </p:extLst>
+  </p:cSld>
+  <p:clrMapOvr>
+    <a:masterClrMapping/>
+  </p:clrMapOvr>
+</p:sld>
+</file>
+
+<file path=ppt/slides/slide4.xml><?xml version="1.0" encoding="utf-8"?>
+<p:sld xmlns:a="http://schemas.openxmlformats.org/drawingml/2006/main" xmlns:r="http://schemas.openxmlformats.org/officeDocument/2006/relationships" xmlns:p="http://schemas.openxmlformats.org/presentationml/2006/main">
+  <p:cSld>
+    <p:spTree>
+      <p:nvGrpSpPr>
+        <p:cNvPr id="1" name="">
+          <a:extLst>
+            <a:ext uri="{FF2B5EF4-FFF2-40B4-BE49-F238E27FC236}">
+              <a16:creationId xmlns:a16="http://schemas.microsoft.com/office/drawing/2014/main" id="{A7A316FA-EC24-69AC-828A-DCE53DF76C39}"/>
+            </a:ext>
+          </a:extLst>
+        </p:cNvPr>
+        <p:cNvGrpSpPr/>
+        <p:nvPr/>
+      </p:nvGrpSpPr>
+      <p:grpSpPr>
+        <a:xfrm>
+          <a:off x="0" y="0"/>
+          <a:ext cx="0" cy="0"/>
+          <a:chOff x="0" y="0"/>
+          <a:chExt cx="0" cy="0"/>
+        </a:xfrm>
+      </p:grpSpPr>
+      <p:sp>
+        <p:nvSpPr>
+          <p:cNvPr id="2" name="TextBox 1">
+            <a:extLst>
+              <a:ext uri="{FF2B5EF4-FFF2-40B4-BE49-F238E27FC236}">
+                <a16:creationId xmlns:a16="http://schemas.microsoft.com/office/drawing/2014/main" id="{801E4F80-B36E-D83E-BCB0-91481BB9B110}"/>
+              </a:ext>
+            </a:extLst>
+          </p:cNvPr>
+          <p:cNvSpPr txBox="1"/>
+          <p:nvPr/>
+        </p:nvSpPr>
+        <p:spPr>
+          <a:xfrm>
+            <a:off x="4217933" y="550546"/>
+            <a:ext cx="4081670" cy="646331"/>
+          </a:xfrm>
+          <a:prstGeom prst="rect">
+            <a:avLst/>
+          </a:prstGeom>
+          <a:noFill/>
+        </p:spPr>
+        <p:txBody>
+          <a:bodyPr wrap="square" rtlCol="0">
+            <a:spAutoFit/>
+          </a:bodyPr>
+          <a:lstStyle/>
+          <a:p>
+            <a:pPr algn="ctr"/>
+            <a:r>
+              <a:rPr lang="en-US" sz="3600" dirty="0"/>
+              <a:t>Abduction (AB)</a:t>
+            </a:r>
+          </a:p>
+        </p:txBody>
+      </p:sp>
+      <p:pic>
+        <p:nvPicPr>
+          <p:cNvPr id="6" name="รูปภาพ 5">
+            <a:extLst>
+              <a:ext uri="{FF2B5EF4-FFF2-40B4-BE49-F238E27FC236}">
+                <a16:creationId xmlns:a16="http://schemas.microsoft.com/office/drawing/2014/main" id="{3DD5C8AE-CE5D-8D47-3638-96058357FA43}"/>
+              </a:ext>
+            </a:extLst>
+          </p:cNvPr>
+          <p:cNvPicPr>
+            <a:picLocks noChangeAspect="1"/>
+          </p:cNvPicPr>
+          <p:nvPr/>
+        </p:nvPicPr>
+        <p:blipFill>
+          <a:blip r:embed="rId2"/>
+          <a:stretch>
+            <a:fillRect/>
+          </a:stretch>
+        </p:blipFill>
+        <p:spPr>
+          <a:xfrm>
+            <a:off x="8299603" y="1954561"/>
+            <a:ext cx="3657600" cy="2948878"/>
+          </a:xfrm>
+          <a:prstGeom prst="rect">
+            <a:avLst/>
+          </a:prstGeom>
+        </p:spPr>
+      </p:pic>
+      <p:pic>
+        <p:nvPicPr>
+          <p:cNvPr id="8" name="รูปภาพ 7">
+            <a:extLst>
+              <a:ext uri="{FF2B5EF4-FFF2-40B4-BE49-F238E27FC236}">
+                <a16:creationId xmlns:a16="http://schemas.microsoft.com/office/drawing/2014/main" id="{7F0E03F9-75C4-3252-8BE7-DA22A3B3FD20}"/>
+              </a:ext>
+            </a:extLst>
+          </p:cNvPr>
+          <p:cNvPicPr>
+            <a:picLocks noChangeAspect="1"/>
+          </p:cNvPicPr>
+          <p:nvPr/>
+        </p:nvPicPr>
+        <p:blipFill>
+          <a:blip r:embed="rId3"/>
+          <a:stretch>
+            <a:fillRect/>
+          </a:stretch>
+        </p:blipFill>
+        <p:spPr>
+          <a:xfrm>
+            <a:off x="4429968" y="1954561"/>
+            <a:ext cx="3657600" cy="2948878"/>
+          </a:xfrm>
+          <a:prstGeom prst="rect">
+            <a:avLst/>
+          </a:prstGeom>
+        </p:spPr>
+      </p:pic>
+      <p:pic>
+        <p:nvPicPr>
+          <p:cNvPr id="10" name="รูปภาพ 9">
+            <a:extLst>
+              <a:ext uri="{FF2B5EF4-FFF2-40B4-BE49-F238E27FC236}">
+                <a16:creationId xmlns:a16="http://schemas.microsoft.com/office/drawing/2014/main" id="{2BE5992D-3A52-7378-1000-B67D92A47871}"/>
+              </a:ext>
+            </a:extLst>
+          </p:cNvPr>
+          <p:cNvPicPr>
+            <a:picLocks noChangeAspect="1"/>
+          </p:cNvPicPr>
+          <p:nvPr/>
+        </p:nvPicPr>
+        <p:blipFill>
+          <a:blip r:embed="rId4"/>
+          <a:stretch>
+            <a:fillRect/>
+          </a:stretch>
+        </p:blipFill>
+        <p:spPr>
+          <a:xfrm>
+            <a:off x="560333" y="1954561"/>
+            <a:ext cx="3657600" cy="2948878"/>
+          </a:xfrm>
+          <a:prstGeom prst="rect">
+            <a:avLst/>
+          </a:prstGeom>
+        </p:spPr>
+      </p:pic>
+    </p:spTree>
+    <p:extLst>
+      <p:ext uri="{BB962C8B-B14F-4D97-AF65-F5344CB8AC3E}">
+        <p14:creationId xmlns:p14="http://schemas.microsoft.com/office/powerpoint/2010/main" val="1368778418"/>
+      </p:ext>
+    </p:extLst>
+  </p:cSld>
+  <p:clrMapOvr>
+    <a:masterClrMapping/>
+  </p:clrMapOvr>
+</p:sld>
+</file>
+
+<file path=ppt/slides/slide5.xml><?xml version="1.0" encoding="utf-8"?>
+<p:sld xmlns:a="http://schemas.openxmlformats.org/drawingml/2006/main" xmlns:r="http://schemas.openxmlformats.org/officeDocument/2006/relationships" xmlns:p="http://schemas.openxmlformats.org/presentationml/2006/main">
+  <p:cSld>
+    <p:spTree>
+      <p:nvGrpSpPr>
+        <p:cNvPr id="1" name="">
+          <a:extLst>
+            <a:ext uri="{FF2B5EF4-FFF2-40B4-BE49-F238E27FC236}">
+              <a16:creationId xmlns:a16="http://schemas.microsoft.com/office/drawing/2014/main" id="{341BCC76-3550-D5DE-0EF2-1CF3F29E5C25}"/>
+            </a:ext>
+          </a:extLst>
+        </p:cNvPr>
+        <p:cNvGrpSpPr/>
+        <p:nvPr/>
+      </p:nvGrpSpPr>
+      <p:grpSpPr>
+        <a:xfrm>
+          <a:off x="0" y="0"/>
+          <a:ext cx="0" cy="0"/>
+          <a:chOff x="0" y="0"/>
+          <a:chExt cx="0" cy="0"/>
+        </a:xfrm>
+      </p:grpSpPr>
+      <p:sp>
+        <p:nvSpPr>
+          <p:cNvPr id="2" name="TextBox 1">
+            <a:extLst>
+              <a:ext uri="{FF2B5EF4-FFF2-40B4-BE49-F238E27FC236}">
+                <a16:creationId xmlns:a16="http://schemas.microsoft.com/office/drawing/2014/main" id="{968286E3-B56E-3DD4-F35D-F3B8F83CD219}"/>
+              </a:ext>
+            </a:extLst>
+          </p:cNvPr>
+          <p:cNvSpPr txBox="1"/>
+          <p:nvPr/>
+        </p:nvSpPr>
+        <p:spPr>
+          <a:xfrm>
+            <a:off x="4217933" y="550546"/>
+            <a:ext cx="4081670" cy="646331"/>
+          </a:xfrm>
+          <a:prstGeom prst="rect">
+            <a:avLst/>
+          </a:prstGeom>
+          <a:noFill/>
+        </p:spPr>
+        <p:txBody>
+          <a:bodyPr wrap="square" rtlCol="0">
+            <a:spAutoFit/>
+          </a:bodyPr>
+          <a:lstStyle/>
+          <a:p>
+            <a:pPr algn="ctr"/>
+            <a:r>
+              <a:rPr lang="en-US" sz="3600" dirty="0"/>
+              <a:t>Adduction (AD)</a:t>
+            </a:r>
+          </a:p>
+        </p:txBody>
+      </p:sp>
+      <p:pic>
+        <p:nvPicPr>
+          <p:cNvPr id="10" name="รูปภาพ 9">
+            <a:extLst>
+              <a:ext uri="{FF2B5EF4-FFF2-40B4-BE49-F238E27FC236}">
+                <a16:creationId xmlns:a16="http://schemas.microsoft.com/office/drawing/2014/main" id="{9151DFF3-1BB8-102D-5FC1-5E88700A4A97}"/>
+              </a:ext>
+            </a:extLst>
+          </p:cNvPr>
+          <p:cNvPicPr>
+            <a:picLocks noChangeAspect="1"/>
+          </p:cNvPicPr>
+          <p:nvPr/>
+        </p:nvPicPr>
+        <p:blipFill>
+          <a:blip r:embed="rId2"/>
+          <a:stretch>
+            <a:fillRect/>
+          </a:stretch>
+        </p:blipFill>
+        <p:spPr>
+          <a:xfrm>
+            <a:off x="8299603" y="1954561"/>
+            <a:ext cx="3657600" cy="2948878"/>
+          </a:xfrm>
+          <a:prstGeom prst="rect">
+            <a:avLst/>
+          </a:prstGeom>
+        </p:spPr>
+      </p:pic>
+      <p:pic>
+        <p:nvPicPr>
+          <p:cNvPr id="12" name="รูปภาพ 11">
+            <a:extLst>
+              <a:ext uri="{FF2B5EF4-FFF2-40B4-BE49-F238E27FC236}">
+                <a16:creationId xmlns:a16="http://schemas.microsoft.com/office/drawing/2014/main" id="{7B9CF0B7-FA47-E0C4-3F97-538A5DBC4ACA}"/>
+              </a:ext>
+            </a:extLst>
+          </p:cNvPr>
+          <p:cNvPicPr>
+            <a:picLocks noChangeAspect="1"/>
+          </p:cNvPicPr>
+          <p:nvPr/>
+        </p:nvPicPr>
+        <p:blipFill>
+          <a:blip r:embed="rId3"/>
+          <a:stretch>
+            <a:fillRect/>
+          </a:stretch>
+        </p:blipFill>
+        <p:spPr>
+          <a:xfrm>
+            <a:off x="4429968" y="1954561"/>
+            <a:ext cx="3657600" cy="2948878"/>
+          </a:xfrm>
+          <a:prstGeom prst="rect">
+            <a:avLst/>
+          </a:prstGeom>
+        </p:spPr>
+      </p:pic>
+      <p:pic>
+        <p:nvPicPr>
+          <p:cNvPr id="14" name="รูปภาพ 13">
+            <a:extLst>
+              <a:ext uri="{FF2B5EF4-FFF2-40B4-BE49-F238E27FC236}">
+                <a16:creationId xmlns:a16="http://schemas.microsoft.com/office/drawing/2014/main" id="{8A58D920-66E3-4203-7F63-8816E75D35B1}"/>
+              </a:ext>
+            </a:extLst>
+          </p:cNvPr>
+          <p:cNvPicPr>
+            <a:picLocks noChangeAspect="1"/>
+          </p:cNvPicPr>
+          <p:nvPr/>
+        </p:nvPicPr>
+        <p:blipFill>
+          <a:blip r:embed="rId4"/>
+          <a:stretch>
+            <a:fillRect/>
+          </a:stretch>
+        </p:blipFill>
+        <p:spPr>
+          <a:xfrm>
+            <a:off x="234797" y="1954561"/>
+            <a:ext cx="3657600" cy="2948878"/>
+          </a:xfrm>
+          <a:prstGeom prst="rect">
+            <a:avLst/>
+          </a:prstGeom>
+        </p:spPr>
+      </p:pic>
+    </p:spTree>
+    <p:extLst>
+      <p:ext uri="{BB962C8B-B14F-4D97-AF65-F5344CB8AC3E}">
+        <p14:creationId xmlns:p14="http://schemas.microsoft.com/office/powerpoint/2010/main" val="2156923884"/>
+      </p:ext>
+    </p:extLst>
+  </p:cSld>
+  <p:clrMapOvr>
+    <a:masterClrMapping/>
+  </p:clrMapOvr>
+</p:sld>
+</file>
+
+<file path=ppt/slides/slide6.xml><?xml version="1.0" encoding="utf-8"?>
+<p:sld xmlns:a="http://schemas.openxmlformats.org/drawingml/2006/main" xmlns:r="http://schemas.openxmlformats.org/officeDocument/2006/relationships" xmlns:p="http://schemas.openxmlformats.org/presentationml/2006/main">
+  <p:cSld>
+    <p:spTree>
+      <p:nvGrpSpPr>
+        <p:cNvPr id="1" name="">
+          <a:extLst>
+            <a:ext uri="{FF2B5EF4-FFF2-40B4-BE49-F238E27FC236}">
+              <a16:creationId xmlns:a16="http://schemas.microsoft.com/office/drawing/2014/main" id="{8E7DEDB9-2F5D-0D49-7D15-D199B5BB921E}"/>
+            </a:ext>
+          </a:extLst>
+        </p:cNvPr>
+        <p:cNvGrpSpPr/>
+        <p:nvPr/>
+      </p:nvGrpSpPr>
+      <p:grpSpPr>
+        <a:xfrm>
+          <a:off x="0" y="0"/>
+          <a:ext cx="0" cy="0"/>
+          <a:chOff x="0" y="0"/>
+          <a:chExt cx="0" cy="0"/>
+        </a:xfrm>
+      </p:grpSpPr>
+      <p:sp>
+        <p:nvSpPr>
+          <p:cNvPr id="2" name="TextBox 1">
+            <a:extLst>
+              <a:ext uri="{FF2B5EF4-FFF2-40B4-BE49-F238E27FC236}">
+                <a16:creationId xmlns:a16="http://schemas.microsoft.com/office/drawing/2014/main" id="{514D7626-5465-BA58-3049-565F48AA75B1}"/>
+              </a:ext>
+            </a:extLst>
+          </p:cNvPr>
+          <p:cNvSpPr txBox="1"/>
+          <p:nvPr/>
+        </p:nvSpPr>
+        <p:spPr>
+          <a:xfrm>
+            <a:off x="4217933" y="550546"/>
+            <a:ext cx="4081670" cy="646331"/>
+          </a:xfrm>
+          <a:prstGeom prst="rect">
+            <a:avLst/>
+          </a:prstGeom>
+          <a:noFill/>
+        </p:spPr>
+        <p:txBody>
+          <a:bodyPr wrap="square" rtlCol="0">
+            <a:spAutoFit/>
+          </a:bodyPr>
+          <a:lstStyle/>
+          <a:p>
+            <a:pPr algn="ctr"/>
+            <a:r>
+              <a:rPr lang="en-US" sz="3600" dirty="0"/>
+              <a:t>Adduction (AD)</a:t>
+            </a:r>
+          </a:p>
+        </p:txBody>
+      </p:sp>
+      <p:pic>
+        <p:nvPicPr>
+          <p:cNvPr id="6" name="รูปภาพ 5">
+            <a:extLst>
+              <a:ext uri="{FF2B5EF4-FFF2-40B4-BE49-F238E27FC236}">
+                <a16:creationId xmlns:a16="http://schemas.microsoft.com/office/drawing/2014/main" id="{B9931F97-2A0C-BBC1-0DCB-5DC8F4013E67}"/>
+              </a:ext>
+            </a:extLst>
+          </p:cNvPr>
+          <p:cNvPicPr>
+            <a:picLocks noChangeAspect="1"/>
+          </p:cNvPicPr>
+          <p:nvPr/>
+        </p:nvPicPr>
+        <p:blipFill>
+          <a:blip r:embed="rId2"/>
+          <a:stretch>
+            <a:fillRect/>
+          </a:stretch>
+        </p:blipFill>
+        <p:spPr>
+          <a:xfrm>
+            <a:off x="4269972" y="1948985"/>
+            <a:ext cx="3657600" cy="2948878"/>
+          </a:xfrm>
+          <a:prstGeom prst="rect">
+            <a:avLst/>
+          </a:prstGeom>
+        </p:spPr>
+      </p:pic>
+      <p:pic>
+        <p:nvPicPr>
+          <p:cNvPr id="8" name="รูปภาพ 7">
+            <a:extLst>
+              <a:ext uri="{FF2B5EF4-FFF2-40B4-BE49-F238E27FC236}">
+                <a16:creationId xmlns:a16="http://schemas.microsoft.com/office/drawing/2014/main" id="{CEA90218-8455-7754-DAB0-B562F7B73C6C}"/>
+              </a:ext>
+            </a:extLst>
+          </p:cNvPr>
+          <p:cNvPicPr>
+            <a:picLocks noChangeAspect="1"/>
+          </p:cNvPicPr>
+          <p:nvPr/>
+        </p:nvPicPr>
+        <p:blipFill>
+          <a:blip r:embed="rId3"/>
+          <a:stretch>
+            <a:fillRect/>
+          </a:stretch>
+        </p:blipFill>
+        <p:spPr>
+          <a:xfrm>
+            <a:off x="234798" y="1948985"/>
+            <a:ext cx="3657600" cy="2948878"/>
+          </a:xfrm>
+          <a:prstGeom prst="rect">
+            <a:avLst/>
+          </a:prstGeom>
+        </p:spPr>
+      </p:pic>
+      <p:pic>
+        <p:nvPicPr>
+          <p:cNvPr id="10" name="รูปภาพ 9">
+            <a:extLst>
+              <a:ext uri="{FF2B5EF4-FFF2-40B4-BE49-F238E27FC236}">
+                <a16:creationId xmlns:a16="http://schemas.microsoft.com/office/drawing/2014/main" id="{3969A556-5560-903C-0D42-528986241186}"/>
+              </a:ext>
+            </a:extLst>
+          </p:cNvPr>
+          <p:cNvPicPr>
+            <a:picLocks noChangeAspect="1"/>
+          </p:cNvPicPr>
+          <p:nvPr/>
+        </p:nvPicPr>
+        <p:blipFill>
+          <a:blip r:embed="rId4"/>
+          <a:stretch>
+            <a:fillRect/>
+          </a:stretch>
+        </p:blipFill>
+        <p:spPr>
+          <a:xfrm>
+            <a:off x="8299603" y="1948985"/>
+            <a:ext cx="3657600" cy="2948878"/>
+          </a:xfrm>
+          <a:prstGeom prst="rect">
+            <a:avLst/>
+          </a:prstGeom>
+        </p:spPr>
+      </p:pic>
+    </p:spTree>
+    <p:extLst>
+      <p:ext uri="{BB962C8B-B14F-4D97-AF65-F5344CB8AC3E}">
+        <p14:creationId xmlns:p14="http://schemas.microsoft.com/office/powerpoint/2010/main" val="765031043"/>
+      </p:ext>
+    </p:extLst>
+  </p:cSld>
+  <p:clrMapOvr>
+    <a:masterClrMapping/>
+  </p:clrMapOvr>
+</p:sld>
+</file>
+
+<file path=ppt/slides/slide7.xml><?xml version="1.0" encoding="utf-8"?>
 <p:sld xmlns:a="http://schemas.openxmlformats.org/drawingml/2006/main" xmlns:r="http://schemas.openxmlformats.org/officeDocument/2006/relationships" xmlns:p="http://schemas.openxmlformats.org/presentationml/2006/main">
   <p:cSld>
     <p:spTree>
@@ -3900,7 +4394,7 @@
         </p:nvSpPr>
         <p:spPr>
           <a:xfrm>
-            <a:off x="639846" y="1692665"/>
+            <a:off x="4227444" y="2981739"/>
             <a:ext cx="4081670" cy="646331"/>
           </a:xfrm>
           <a:prstGeom prst="rect">
@@ -3914,670 +4408,11 @@
           </a:bodyPr>
           <a:lstStyle/>
           <a:p>
-            <a:r>
-              <a:rPr lang="en-US" sz="3600" dirty="0" smtClean="0"/>
-              <a:t>Abduction (AB)</a:t>
-            </a:r>
-            <a:endParaRPr lang="en-US" sz="3600" dirty="0"/>
-          </a:p>
-        </p:txBody>
-      </p:sp>
-      <p:sp>
-        <p:nvSpPr>
-          <p:cNvPr id="3" name="Rectangle 2"/>
-          <p:cNvSpPr/>
-          <p:nvPr/>
-        </p:nvSpPr>
-        <p:spPr>
-          <a:xfrm>
-            <a:off x="800290" y="2596821"/>
-            <a:ext cx="1563248" cy="369332"/>
-          </a:xfrm>
-          <a:prstGeom prst="rect">
-            <a:avLst/>
-          </a:prstGeom>
-        </p:spPr>
-        <p:txBody>
-          <a:bodyPr wrap="none">
-            <a:spAutoFit/>
-          </a:bodyPr>
-          <a:lstStyle/>
-          <a:p>
-            <a:r>
-              <a:rPr lang="en-US" dirty="0" smtClean="0">
-                <a:solidFill>
-                  <a:srgbClr val="000000"/>
-                </a:solidFill>
-                <a:latin typeface="Courier New" panose="02070309020205020404" pitchFamily="49" charset="0"/>
-              </a:rPr>
-              <a:t>clavicle X</a:t>
-            </a:r>
-            <a:endParaRPr lang="en-US" dirty="0">
-              <a:solidFill>
-                <a:srgbClr val="000000"/>
-              </a:solidFill>
-              <a:latin typeface="Courier New" panose="02070309020205020404" pitchFamily="49" charset="0"/>
-            </a:endParaRPr>
-          </a:p>
-        </p:txBody>
-      </p:sp>
-      <p:sp>
-        <p:nvSpPr>
-          <p:cNvPr id="4" name="Rectangle 3"/>
-          <p:cNvSpPr/>
-          <p:nvPr/>
-        </p:nvSpPr>
-        <p:spPr>
-          <a:xfrm>
-            <a:off x="5325904" y="2596821"/>
-            <a:ext cx="1563248" cy="369332"/>
-          </a:xfrm>
-          <a:prstGeom prst="rect">
-            <a:avLst/>
-          </a:prstGeom>
-        </p:spPr>
-        <p:txBody>
-          <a:bodyPr wrap="none">
-            <a:spAutoFit/>
-          </a:bodyPr>
-          <a:lstStyle/>
-          <a:p>
-            <a:r>
-              <a:rPr lang="en-US" dirty="0" smtClean="0">
-                <a:solidFill>
-                  <a:srgbClr val="000000"/>
-                </a:solidFill>
-                <a:latin typeface="Courier New" panose="02070309020205020404" pitchFamily="49" charset="0"/>
-              </a:rPr>
-              <a:t>clavicle </a:t>
-            </a:r>
-            <a:r>
-              <a:rPr lang="en-US" dirty="0" smtClean="0">
-                <a:solidFill>
-                  <a:srgbClr val="000000"/>
-                </a:solidFill>
-                <a:latin typeface="Courier New" panose="02070309020205020404" pitchFamily="49" charset="0"/>
-              </a:rPr>
-              <a:t>Y</a:t>
-            </a:r>
-            <a:endParaRPr lang="en-US" dirty="0">
-              <a:solidFill>
-                <a:srgbClr val="000000"/>
-              </a:solidFill>
-              <a:latin typeface="Courier New" panose="02070309020205020404" pitchFamily="49" charset="0"/>
-            </a:endParaRPr>
-          </a:p>
-        </p:txBody>
-      </p:sp>
-      <p:sp>
-        <p:nvSpPr>
-          <p:cNvPr id="5" name="Rectangle 4"/>
-          <p:cNvSpPr/>
-          <p:nvPr/>
-        </p:nvSpPr>
-        <p:spPr>
-          <a:xfrm>
-            <a:off x="10097976" y="2596821"/>
-            <a:ext cx="1563248" cy="369332"/>
-          </a:xfrm>
-          <a:prstGeom prst="rect">
-            <a:avLst/>
-          </a:prstGeom>
-        </p:spPr>
-        <p:txBody>
-          <a:bodyPr wrap="none">
-            <a:spAutoFit/>
-          </a:bodyPr>
-          <a:lstStyle/>
-          <a:p>
-            <a:r>
-              <a:rPr lang="en-US" dirty="0" smtClean="0">
-                <a:solidFill>
-                  <a:srgbClr val="000000"/>
-                </a:solidFill>
-                <a:latin typeface="Courier New" panose="02070309020205020404" pitchFamily="49" charset="0"/>
-              </a:rPr>
-              <a:t>clavicle </a:t>
-            </a:r>
-            <a:r>
-              <a:rPr lang="en-US" dirty="0" smtClean="0">
-                <a:solidFill>
-                  <a:srgbClr val="000000"/>
-                </a:solidFill>
-                <a:latin typeface="Courier New" panose="02070309020205020404" pitchFamily="49" charset="0"/>
-              </a:rPr>
-              <a:t>Z</a:t>
-            </a:r>
-            <a:endParaRPr lang="en-US" dirty="0">
-              <a:solidFill>
-                <a:srgbClr val="000000"/>
-              </a:solidFill>
-              <a:latin typeface="Courier New" panose="02070309020205020404" pitchFamily="49" charset="0"/>
-            </a:endParaRPr>
-          </a:p>
-        </p:txBody>
-      </p:sp>
-      <p:sp>
-        <p:nvSpPr>
-          <p:cNvPr id="6" name="Rectangle 5"/>
-          <p:cNvSpPr/>
-          <p:nvPr/>
-        </p:nvSpPr>
-        <p:spPr>
-          <a:xfrm>
-            <a:off x="785064" y="3511142"/>
-            <a:ext cx="1425390" cy="369332"/>
-          </a:xfrm>
-          <a:prstGeom prst="rect">
-            <a:avLst/>
-          </a:prstGeom>
-        </p:spPr>
-        <p:txBody>
-          <a:bodyPr wrap="none">
-            <a:spAutoFit/>
-          </a:bodyPr>
-          <a:lstStyle/>
-          <a:p>
-            <a:r>
-              <a:rPr lang="en-US" dirty="0" smtClean="0">
-                <a:solidFill>
-                  <a:srgbClr val="000000"/>
-                </a:solidFill>
-                <a:latin typeface="Courier New" panose="02070309020205020404" pitchFamily="49" charset="0"/>
-              </a:rPr>
-              <a:t>scapula X</a:t>
-            </a:r>
-            <a:endParaRPr lang="en-US" dirty="0">
-              <a:solidFill>
-                <a:srgbClr val="000000"/>
-              </a:solidFill>
-              <a:latin typeface="Courier New" panose="02070309020205020404" pitchFamily="49" charset="0"/>
-            </a:endParaRPr>
-          </a:p>
-        </p:txBody>
-      </p:sp>
-      <p:sp>
-        <p:nvSpPr>
-          <p:cNvPr id="7" name="Rectangle 6"/>
-          <p:cNvSpPr/>
-          <p:nvPr/>
-        </p:nvSpPr>
-        <p:spPr>
-          <a:xfrm>
-            <a:off x="5325904" y="3511142"/>
-            <a:ext cx="1425390" cy="369332"/>
-          </a:xfrm>
-          <a:prstGeom prst="rect">
-            <a:avLst/>
-          </a:prstGeom>
-        </p:spPr>
-        <p:txBody>
-          <a:bodyPr wrap="none">
-            <a:spAutoFit/>
-          </a:bodyPr>
-          <a:lstStyle/>
-          <a:p>
-            <a:r>
-              <a:rPr lang="en-US" dirty="0" smtClean="0">
-                <a:solidFill>
-                  <a:srgbClr val="000000"/>
-                </a:solidFill>
-                <a:latin typeface="Courier New" panose="02070309020205020404" pitchFamily="49" charset="0"/>
-              </a:rPr>
-              <a:t>scapula Y</a:t>
-            </a:r>
-            <a:endParaRPr lang="en-US" dirty="0">
-              <a:solidFill>
-                <a:srgbClr val="000000"/>
-              </a:solidFill>
-              <a:latin typeface="Courier New" panose="02070309020205020404" pitchFamily="49" charset="0"/>
-            </a:endParaRPr>
-          </a:p>
-        </p:txBody>
-      </p:sp>
-      <p:sp>
-        <p:nvSpPr>
-          <p:cNvPr id="8" name="Rectangle 7"/>
-          <p:cNvSpPr/>
-          <p:nvPr/>
-        </p:nvSpPr>
-        <p:spPr>
-          <a:xfrm>
-            <a:off x="10235834" y="3511142"/>
-            <a:ext cx="1425390" cy="369332"/>
-          </a:xfrm>
-          <a:prstGeom prst="rect">
-            <a:avLst/>
-          </a:prstGeom>
-        </p:spPr>
-        <p:txBody>
-          <a:bodyPr wrap="none">
-            <a:spAutoFit/>
-          </a:bodyPr>
-          <a:lstStyle/>
-          <a:p>
-            <a:r>
-              <a:rPr lang="en-US" dirty="0" smtClean="0">
-                <a:solidFill>
-                  <a:srgbClr val="000000"/>
-                </a:solidFill>
-                <a:latin typeface="Courier New" panose="02070309020205020404" pitchFamily="49" charset="0"/>
-              </a:rPr>
-              <a:t>scapula Z</a:t>
-            </a:r>
-            <a:endParaRPr lang="en-US" dirty="0">
-              <a:solidFill>
-                <a:srgbClr val="000000"/>
-              </a:solidFill>
-              <a:latin typeface="Courier New" panose="02070309020205020404" pitchFamily="49" charset="0"/>
-            </a:endParaRPr>
-          </a:p>
-        </p:txBody>
-      </p:sp>
-    </p:spTree>
-    <p:extLst>
-      <p:ext uri="{BB962C8B-B14F-4D97-AF65-F5344CB8AC3E}">
-        <p14:creationId xmlns:p14="http://schemas.microsoft.com/office/powerpoint/2010/main" val="149850764"/>
-      </p:ext>
-    </p:extLst>
-  </p:cSld>
-  <p:clrMapOvr>
-    <a:masterClrMapping/>
-  </p:clrMapOvr>
-</p:sld>
-</file>
-
-<file path=ppt/slides/slide4.xml><?xml version="1.0" encoding="utf-8"?>
-<p:sld xmlns:a="http://schemas.openxmlformats.org/drawingml/2006/main" xmlns:r="http://schemas.openxmlformats.org/officeDocument/2006/relationships" xmlns:p="http://schemas.openxmlformats.org/presentationml/2006/main">
-  <p:cSld>
-    <p:spTree>
-      <p:nvGrpSpPr>
-        <p:cNvPr id="1" name=""/>
-        <p:cNvGrpSpPr/>
-        <p:nvPr/>
-      </p:nvGrpSpPr>
-      <p:grpSpPr>
-        <a:xfrm>
-          <a:off x="0" y="0"/>
-          <a:ext cx="0" cy="0"/>
-          <a:chOff x="0" y="0"/>
-          <a:chExt cx="0" cy="0"/>
-        </a:xfrm>
-      </p:grpSpPr>
-      <p:sp>
-        <p:nvSpPr>
-          <p:cNvPr id="2" name="TextBox 1"/>
-          <p:cNvSpPr txBox="1"/>
-          <p:nvPr/>
-        </p:nvSpPr>
-        <p:spPr>
-          <a:xfrm>
-            <a:off x="639846" y="1692665"/>
-            <a:ext cx="4081670" cy="646331"/>
-          </a:xfrm>
-          <a:prstGeom prst="rect">
-            <a:avLst/>
-          </a:prstGeom>
-          <a:noFill/>
-        </p:spPr>
-        <p:txBody>
-          <a:bodyPr wrap="square" rtlCol="0">
-            <a:spAutoFit/>
-          </a:bodyPr>
-          <a:lstStyle/>
-          <a:p>
-            <a:r>
-              <a:rPr lang="en-US" sz="3600" dirty="0" smtClean="0"/>
-              <a:t>Adduction (AD)</a:t>
-            </a:r>
-            <a:endParaRPr lang="en-US" sz="3600" dirty="0"/>
-          </a:p>
-        </p:txBody>
-      </p:sp>
-      <p:sp>
-        <p:nvSpPr>
-          <p:cNvPr id="3" name="Rectangle 2"/>
-          <p:cNvSpPr/>
-          <p:nvPr/>
-        </p:nvSpPr>
-        <p:spPr>
-          <a:xfrm>
-            <a:off x="800290" y="2596821"/>
-            <a:ext cx="1563248" cy="369332"/>
-          </a:xfrm>
-          <a:prstGeom prst="rect">
-            <a:avLst/>
-          </a:prstGeom>
-        </p:spPr>
-        <p:txBody>
-          <a:bodyPr wrap="none">
-            <a:spAutoFit/>
-          </a:bodyPr>
-          <a:lstStyle/>
-          <a:p>
-            <a:r>
-              <a:rPr lang="en-US" dirty="0" smtClean="0">
-                <a:solidFill>
-                  <a:srgbClr val="000000"/>
-                </a:solidFill>
-                <a:latin typeface="Courier New" panose="02070309020205020404" pitchFamily="49" charset="0"/>
-              </a:rPr>
-              <a:t>clavicle X</a:t>
-            </a:r>
-            <a:endParaRPr lang="en-US" dirty="0">
-              <a:solidFill>
-                <a:srgbClr val="000000"/>
-              </a:solidFill>
-              <a:latin typeface="Courier New" panose="02070309020205020404" pitchFamily="49" charset="0"/>
-            </a:endParaRPr>
-          </a:p>
-        </p:txBody>
-      </p:sp>
-      <p:sp>
-        <p:nvSpPr>
-          <p:cNvPr id="4" name="Rectangle 3"/>
-          <p:cNvSpPr/>
-          <p:nvPr/>
-        </p:nvSpPr>
-        <p:spPr>
-          <a:xfrm>
-            <a:off x="2807994" y="2596821"/>
-            <a:ext cx="1563248" cy="369332"/>
-          </a:xfrm>
-          <a:prstGeom prst="rect">
-            <a:avLst/>
-          </a:prstGeom>
-        </p:spPr>
-        <p:txBody>
-          <a:bodyPr wrap="none">
-            <a:spAutoFit/>
-          </a:bodyPr>
-          <a:lstStyle/>
-          <a:p>
-            <a:r>
-              <a:rPr lang="en-US" dirty="0" smtClean="0">
-                <a:solidFill>
-                  <a:srgbClr val="000000"/>
-                </a:solidFill>
-                <a:latin typeface="Courier New" panose="02070309020205020404" pitchFamily="49" charset="0"/>
-              </a:rPr>
-              <a:t>clavicle </a:t>
-            </a:r>
-            <a:r>
-              <a:rPr lang="en-US" dirty="0" smtClean="0">
-                <a:solidFill>
-                  <a:srgbClr val="000000"/>
-                </a:solidFill>
-                <a:latin typeface="Courier New" panose="02070309020205020404" pitchFamily="49" charset="0"/>
-              </a:rPr>
-              <a:t>Y</a:t>
-            </a:r>
-            <a:endParaRPr lang="en-US" dirty="0">
-              <a:solidFill>
-                <a:srgbClr val="000000"/>
-              </a:solidFill>
-              <a:latin typeface="Courier New" panose="02070309020205020404" pitchFamily="49" charset="0"/>
-            </a:endParaRPr>
-          </a:p>
-        </p:txBody>
-      </p:sp>
-      <p:sp>
-        <p:nvSpPr>
-          <p:cNvPr id="5" name="Rectangle 4"/>
-          <p:cNvSpPr/>
-          <p:nvPr/>
-        </p:nvSpPr>
-        <p:spPr>
-          <a:xfrm>
-            <a:off x="5007856" y="2596821"/>
-            <a:ext cx="1563248" cy="369332"/>
-          </a:xfrm>
-          <a:prstGeom prst="rect">
-            <a:avLst/>
-          </a:prstGeom>
-        </p:spPr>
-        <p:txBody>
-          <a:bodyPr wrap="none">
-            <a:spAutoFit/>
-          </a:bodyPr>
-          <a:lstStyle/>
-          <a:p>
-            <a:r>
-              <a:rPr lang="en-US" dirty="0" smtClean="0">
-                <a:solidFill>
-                  <a:srgbClr val="000000"/>
-                </a:solidFill>
-                <a:latin typeface="Courier New" panose="02070309020205020404" pitchFamily="49" charset="0"/>
-              </a:rPr>
-              <a:t>clavicle </a:t>
-            </a:r>
-            <a:r>
-              <a:rPr lang="en-US" dirty="0" smtClean="0">
-                <a:solidFill>
-                  <a:srgbClr val="000000"/>
-                </a:solidFill>
-                <a:latin typeface="Courier New" panose="02070309020205020404" pitchFamily="49" charset="0"/>
-              </a:rPr>
-              <a:t>Z</a:t>
-            </a:r>
-            <a:endParaRPr lang="en-US" dirty="0">
-              <a:solidFill>
-                <a:srgbClr val="000000"/>
-              </a:solidFill>
-              <a:latin typeface="Courier New" panose="02070309020205020404" pitchFamily="49" charset="0"/>
-            </a:endParaRPr>
-          </a:p>
-        </p:txBody>
-      </p:sp>
-      <p:sp>
-        <p:nvSpPr>
-          <p:cNvPr id="6" name="Rectangle 5"/>
-          <p:cNvSpPr/>
-          <p:nvPr/>
-        </p:nvSpPr>
-        <p:spPr>
-          <a:xfrm>
-            <a:off x="785064" y="3511142"/>
-            <a:ext cx="1425390" cy="369332"/>
-          </a:xfrm>
-          <a:prstGeom prst="rect">
-            <a:avLst/>
-          </a:prstGeom>
-        </p:spPr>
-        <p:txBody>
-          <a:bodyPr wrap="none">
-            <a:spAutoFit/>
-          </a:bodyPr>
-          <a:lstStyle/>
-          <a:p>
-            <a:r>
-              <a:rPr lang="en-US" dirty="0" smtClean="0">
-                <a:solidFill>
-                  <a:srgbClr val="000000"/>
-                </a:solidFill>
-                <a:latin typeface="Courier New" panose="02070309020205020404" pitchFamily="49" charset="0"/>
-              </a:rPr>
-              <a:t>scapula X</a:t>
-            </a:r>
-            <a:endParaRPr lang="en-US" dirty="0">
-              <a:solidFill>
-                <a:srgbClr val="000000"/>
-              </a:solidFill>
-              <a:latin typeface="Courier New" panose="02070309020205020404" pitchFamily="49" charset="0"/>
-            </a:endParaRPr>
-          </a:p>
-        </p:txBody>
-      </p:sp>
-      <p:sp>
-        <p:nvSpPr>
-          <p:cNvPr id="7" name="Rectangle 6"/>
-          <p:cNvSpPr/>
-          <p:nvPr/>
-        </p:nvSpPr>
-        <p:spPr>
-          <a:xfrm>
-            <a:off x="5325904" y="3511142"/>
-            <a:ext cx="1425390" cy="369332"/>
-          </a:xfrm>
-          <a:prstGeom prst="rect">
-            <a:avLst/>
-          </a:prstGeom>
-        </p:spPr>
-        <p:txBody>
-          <a:bodyPr wrap="none">
-            <a:spAutoFit/>
-          </a:bodyPr>
-          <a:lstStyle/>
-          <a:p>
-            <a:r>
-              <a:rPr lang="en-US" dirty="0" smtClean="0">
-                <a:solidFill>
-                  <a:srgbClr val="000000"/>
-                </a:solidFill>
-                <a:latin typeface="Courier New" panose="02070309020205020404" pitchFamily="49" charset="0"/>
-              </a:rPr>
-              <a:t>scapula Y</a:t>
-            </a:r>
-            <a:endParaRPr lang="en-US" dirty="0">
-              <a:solidFill>
-                <a:srgbClr val="000000"/>
-              </a:solidFill>
-              <a:latin typeface="Courier New" panose="02070309020205020404" pitchFamily="49" charset="0"/>
-            </a:endParaRPr>
-          </a:p>
-        </p:txBody>
-      </p:sp>
-      <p:sp>
-        <p:nvSpPr>
-          <p:cNvPr id="8" name="Rectangle 7"/>
-          <p:cNvSpPr/>
-          <p:nvPr/>
-        </p:nvSpPr>
-        <p:spPr>
-          <a:xfrm>
-            <a:off x="10235834" y="3511142"/>
-            <a:ext cx="1425390" cy="369332"/>
-          </a:xfrm>
-          <a:prstGeom prst="rect">
-            <a:avLst/>
-          </a:prstGeom>
-        </p:spPr>
-        <p:txBody>
-          <a:bodyPr wrap="none">
-            <a:spAutoFit/>
-          </a:bodyPr>
-          <a:lstStyle/>
-          <a:p>
-            <a:r>
-              <a:rPr lang="en-US" dirty="0" smtClean="0">
-                <a:solidFill>
-                  <a:srgbClr val="000000"/>
-                </a:solidFill>
-                <a:latin typeface="Courier New" panose="02070309020205020404" pitchFamily="49" charset="0"/>
-              </a:rPr>
-              <a:t>scapula Z</a:t>
-            </a:r>
-            <a:endParaRPr lang="en-US" dirty="0">
-              <a:solidFill>
-                <a:srgbClr val="000000"/>
-              </a:solidFill>
-              <a:latin typeface="Courier New" panose="02070309020205020404" pitchFamily="49" charset="0"/>
-            </a:endParaRPr>
-          </a:p>
-        </p:txBody>
-      </p:sp>
-    </p:spTree>
-    <p:extLst>
-      <p:ext uri="{BB962C8B-B14F-4D97-AF65-F5344CB8AC3E}">
-        <p14:creationId xmlns:p14="http://schemas.microsoft.com/office/powerpoint/2010/main" val="3683025295"/>
-      </p:ext>
-    </p:extLst>
-  </p:cSld>
-  <p:clrMapOvr>
-    <a:masterClrMapping/>
-  </p:clrMapOvr>
-</p:sld>
-</file>
-
-<file path=ppt/slides/slide5.xml><?xml version="1.0" encoding="utf-8"?>
-<p:sld xmlns:a="http://schemas.openxmlformats.org/drawingml/2006/main" xmlns:r="http://schemas.openxmlformats.org/officeDocument/2006/relationships" xmlns:p="http://schemas.openxmlformats.org/presentationml/2006/main">
-  <p:cSld>
-    <p:spTree>
-      <p:nvGrpSpPr>
-        <p:cNvPr id="1" name=""/>
-        <p:cNvGrpSpPr/>
-        <p:nvPr/>
-      </p:nvGrpSpPr>
-      <p:grpSpPr>
-        <a:xfrm>
-          <a:off x="0" y="0"/>
-          <a:ext cx="0" cy="0"/>
-          <a:chOff x="0" y="0"/>
-          <a:chExt cx="0" cy="0"/>
-        </a:xfrm>
-      </p:grpSpPr>
-    </p:spTree>
-    <p:extLst>
-      <p:ext uri="{BB962C8B-B14F-4D97-AF65-F5344CB8AC3E}">
-        <p14:creationId xmlns:p14="http://schemas.microsoft.com/office/powerpoint/2010/main" val="628586090"/>
-      </p:ext>
-    </p:extLst>
-  </p:cSld>
-  <p:clrMapOvr>
-    <a:masterClrMapping/>
-  </p:clrMapOvr>
-</p:sld>
-</file>
-
-<file path=ppt/slides/slide6.xml><?xml version="1.0" encoding="utf-8"?>
-<p:sld xmlns:a="http://schemas.openxmlformats.org/drawingml/2006/main" xmlns:r="http://schemas.openxmlformats.org/officeDocument/2006/relationships" xmlns:p="http://schemas.openxmlformats.org/presentationml/2006/main">
-  <p:cSld>
-    <p:spTree>
-      <p:nvGrpSpPr>
-        <p:cNvPr id="1" name=""/>
-        <p:cNvGrpSpPr/>
-        <p:nvPr/>
-      </p:nvGrpSpPr>
-      <p:grpSpPr>
-        <a:xfrm>
-          <a:off x="0" y="0"/>
-          <a:ext cx="0" cy="0"/>
-          <a:chOff x="0" y="0"/>
-          <a:chExt cx="0" cy="0"/>
-        </a:xfrm>
-      </p:grpSpPr>
-      <p:sp>
-        <p:nvSpPr>
-          <p:cNvPr id="2" name="TextBox 1"/>
-          <p:cNvSpPr txBox="1"/>
-          <p:nvPr/>
-        </p:nvSpPr>
-        <p:spPr>
-          <a:xfrm>
-            <a:off x="4227444" y="2981739"/>
-            <a:ext cx="4081670" cy="646331"/>
-          </a:xfrm>
-          <a:prstGeom prst="rect">
-            <a:avLst/>
-          </a:prstGeom>
-          <a:noFill/>
-        </p:spPr>
-        <p:txBody>
-          <a:bodyPr wrap="square" rtlCol="0">
-            <a:spAutoFit/>
-          </a:bodyPr>
-          <a:lstStyle/>
-          <a:p>
             <a:pPr algn="ctr"/>
             <a:r>
               <a:rPr lang="en-US" sz="3600" dirty="0"/>
-              <a:t>B</a:t>
-            </a:r>
-            <a:r>
-              <a:rPr lang="en-US" sz="3600" dirty="0" smtClean="0"/>
-              <a:t>oth Side</a:t>
-            </a:r>
-            <a:endParaRPr lang="en-US" sz="3600" dirty="0"/>
+              <a:t>Both Side</a:t>
+            </a:r>
           </a:p>
         </p:txBody>
       </p:sp>
@@ -4594,7 +4429,7 @@
 </p:sld>
 </file>
 
-<file path=ppt/slides/slide7.xml><?xml version="1.0" encoding="utf-8"?>
+<file path=ppt/slides/slide8.xml><?xml version="1.0" encoding="utf-8"?>
 <p:sld xmlns:a="http://schemas.openxmlformats.org/drawingml/2006/main" xmlns:r="http://schemas.openxmlformats.org/officeDocument/2006/relationships" xmlns:p="http://schemas.openxmlformats.org/presentationml/2006/main">
   <p:cSld>
     <p:spTree>
@@ -4768,7 +4603,7 @@
 </p:sld>
 </file>
 
-<file path=ppt/slides/slide8.xml><?xml version="1.0" encoding="utf-8"?>
+<file path=ppt/slides/slide9.xml><?xml version="1.0" encoding="utf-8"?>
 <p:sld xmlns:a="http://schemas.openxmlformats.org/drawingml/2006/main" xmlns:r="http://schemas.openxmlformats.org/officeDocument/2006/relationships" xmlns:p="http://schemas.openxmlformats.org/presentationml/2006/main">
   <p:cSld>
     <p:spTree>
@@ -4789,67 +4624,6 @@
     <p:extLst>
       <p:ext uri="{BB962C8B-B14F-4D97-AF65-F5344CB8AC3E}">
         <p14:creationId xmlns:p14="http://schemas.microsoft.com/office/powerpoint/2010/main" val="2044978721"/>
-      </p:ext>
-    </p:extLst>
-  </p:cSld>
-  <p:clrMapOvr>
-    <a:masterClrMapping/>
-  </p:clrMapOvr>
-</p:sld>
-</file>
-
-<file path=ppt/slides/slide9.xml><?xml version="1.0" encoding="utf-8"?>
-<p:sld xmlns:a="http://schemas.openxmlformats.org/drawingml/2006/main" xmlns:r="http://schemas.openxmlformats.org/officeDocument/2006/relationships" xmlns:p="http://schemas.openxmlformats.org/presentationml/2006/main">
-  <p:cSld>
-    <p:spTree>
-      <p:nvGrpSpPr>
-        <p:cNvPr id="1" name=""/>
-        <p:cNvGrpSpPr/>
-        <p:nvPr/>
-      </p:nvGrpSpPr>
-      <p:grpSpPr>
-        <a:xfrm>
-          <a:off x="0" y="0"/>
-          <a:ext cx="0" cy="0"/>
-          <a:chOff x="0" y="0"/>
-          <a:chExt cx="0" cy="0"/>
-        </a:xfrm>
-      </p:grpSpPr>
-      <p:sp>
-        <p:nvSpPr>
-          <p:cNvPr id="2" name="TextBox 1"/>
-          <p:cNvSpPr txBox="1"/>
-          <p:nvPr/>
-        </p:nvSpPr>
-        <p:spPr>
-          <a:xfrm>
-            <a:off x="4227444" y="2981739"/>
-            <a:ext cx="4081670" cy="646331"/>
-          </a:xfrm>
-          <a:prstGeom prst="rect">
-            <a:avLst/>
-          </a:prstGeom>
-          <a:noFill/>
-        </p:spPr>
-        <p:txBody>
-          <a:bodyPr wrap="square" rtlCol="0">
-            <a:spAutoFit/>
-          </a:bodyPr>
-          <a:lstStyle/>
-          <a:p>
-            <a:pPr algn="ctr"/>
-            <a:r>
-              <a:rPr lang="en-US" sz="3600" dirty="0" smtClean="0"/>
-              <a:t>Left Side</a:t>
-            </a:r>
-            <a:endParaRPr lang="en-US" sz="3600" dirty="0"/>
-          </a:p>
-        </p:txBody>
-      </p:sp>
-    </p:spTree>
-    <p:extLst>
-      <p:ext uri="{BB962C8B-B14F-4D97-AF65-F5344CB8AC3E}">
-        <p14:creationId xmlns:p14="http://schemas.microsoft.com/office/powerpoint/2010/main" val="2507380525"/>
       </p:ext>
     </p:extLst>
   </p:cSld>
